--- a/Content/Images/relaties-tussen-producten.pptx
+++ b/Content/Images/relaties-tussen-producten.pptx
@@ -232,7 +232,7 @@
           <a:p>
             <a:fld id="{350B2457-A054-7D40-BA7B-21B0D0BCC8B3}" type="datetimeFigureOut">
               <a:rPr lang="nl-NL" smtClean="0"/>
-              <a:t>06-01-2021</a:t>
+              <a:t>08-01-2021</a:t>
             </a:fld>
             <a:endParaRPr lang="nl-NL"/>
           </a:p>
@@ -373,7 +373,7 @@
             <a:fld id="{B7EEF894-AF89-4A15-B12A-DB6EE2F8B7F6}" type="datetimeFigureOut">
               <a:rPr lang="nl-NL" smtClean="0"/>
               <a:pPr/>
-              <a:t>06-01-2021</a:t>
+              <a:t>08-01-2021</a:t>
             </a:fld>
             <a:endParaRPr lang="nl-NL"/>
           </a:p>
@@ -3298,7 +3298,7 @@
         </p:nvSpPr>
         <p:spPr>
           <a:xfrm>
-            <a:off x="428947" y="1023257"/>
+            <a:off x="440123" y="1008968"/>
             <a:ext cx="914400" cy="370114"/>
           </a:xfrm>
           <a:prstGeom prst="foldedCorner">
@@ -3345,7 +3345,7 @@
         </p:nvSpPr>
         <p:spPr>
           <a:xfrm>
-            <a:off x="2985343" y="1029035"/>
+            <a:off x="1793234" y="1023030"/>
             <a:ext cx="914400" cy="370114"/>
           </a:xfrm>
           <a:prstGeom prst="foldedCorner">
@@ -3392,7 +3392,7 @@
         </p:nvSpPr>
         <p:spPr>
           <a:xfrm>
-            <a:off x="4439625" y="1023257"/>
+            <a:off x="3164834" y="1042979"/>
             <a:ext cx="914400" cy="370114"/>
           </a:xfrm>
           <a:prstGeom prst="foldedCorner">
@@ -3493,14 +3493,14 @@
         </p:nvCxnSpPr>
         <p:spPr>
           <a:xfrm>
-            <a:off x="886147" y="1393371"/>
-            <a:ext cx="11176" cy="685800"/>
+            <a:off x="897323" y="1379082"/>
+            <a:ext cx="0" cy="700089"/>
           </a:xfrm>
           <a:prstGeom prst="straightConnector1">
             <a:avLst/>
           </a:prstGeom>
           <a:ln>
-            <a:tailEnd type="triangle"/>
+            <a:tailEnd type="triangle" w="lg" len="med"/>
           </a:ln>
         </p:spPr>
         <p:style>
@@ -3532,7 +3532,7 @@
         </p:nvSpPr>
         <p:spPr>
           <a:xfrm>
-            <a:off x="2445462" y="2079171"/>
+            <a:off x="1793234" y="2079171"/>
             <a:ext cx="914400" cy="370115"/>
           </a:xfrm>
           <a:prstGeom prst="foldedCorner">
@@ -3586,14 +3586,14 @@
         </p:nvCxnSpPr>
         <p:spPr>
           <a:xfrm>
-            <a:off x="886147" y="1393371"/>
-            <a:ext cx="2016515" cy="685800"/>
+            <a:off x="897323" y="1379082"/>
+            <a:ext cx="1353111" cy="700089"/>
           </a:xfrm>
           <a:prstGeom prst="straightConnector1">
             <a:avLst/>
           </a:prstGeom>
           <a:ln>
-            <a:tailEnd type="triangle"/>
+            <a:tailEnd type="triangle" w="lg" len="med"/>
           </a:ln>
         </p:spPr>
         <p:style>
@@ -3628,15 +3628,15 @@
           <p:nvPr/>
         </p:nvCxnSpPr>
         <p:spPr>
-          <a:xfrm flipH="1">
-            <a:off x="2902662" y="1399149"/>
-            <a:ext cx="539881" cy="680022"/>
+          <a:xfrm>
+            <a:off x="2250434" y="1393144"/>
+            <a:ext cx="0" cy="686027"/>
           </a:xfrm>
           <a:prstGeom prst="straightConnector1">
             <a:avLst/>
           </a:prstGeom>
           <a:ln>
-            <a:tailEnd type="triangle"/>
+            <a:tailEnd type="triangle" w="lg" len="med"/>
           </a:ln>
         </p:spPr>
         <p:style>
@@ -3672,14 +3672,14 @@
         </p:nvCxnSpPr>
         <p:spPr>
           <a:xfrm flipH="1">
-            <a:off x="2902662" y="1393371"/>
-            <a:ext cx="1994163" cy="685800"/>
+            <a:off x="2250434" y="1413093"/>
+            <a:ext cx="1371600" cy="666078"/>
           </a:xfrm>
           <a:prstGeom prst="straightConnector1">
             <a:avLst/>
           </a:prstGeom>
           <a:ln>
-            <a:tailEnd type="triangle"/>
+            <a:tailEnd type="triangle" w="lg" len="med"/>
           </a:ln>
         </p:spPr>
         <p:style>
@@ -3772,7 +3772,7 @@
             <a:avLst/>
           </a:prstGeom>
           <a:ln>
-            <a:tailEnd type="triangle"/>
+            <a:tailEnd type="triangle" w="lg" len="med"/>
           </a:ln>
         </p:spPr>
         <p:style>
@@ -3809,13 +3809,13 @@
         <p:spPr>
           <a:xfrm flipH="1">
             <a:off x="897323" y="2449286"/>
-            <a:ext cx="2005339" cy="685800"/>
+            <a:ext cx="1353111" cy="685800"/>
           </a:xfrm>
           <a:prstGeom prst="straightConnector1">
             <a:avLst/>
           </a:prstGeom>
           <a:ln>
-            <a:tailEnd type="triangle"/>
+            <a:tailEnd type="triangle" w="lg" len="med"/>
           </a:ln>
         </p:spPr>
         <p:style>
@@ -3847,7 +3847,7 @@
         </p:nvSpPr>
         <p:spPr>
           <a:xfrm>
-            <a:off x="1890291" y="3118423"/>
+            <a:off x="1789946" y="3127603"/>
             <a:ext cx="914400" cy="370115"/>
           </a:xfrm>
           <a:prstGeom prst="foldedCorner">
@@ -3901,14 +3901,14 @@
         </p:nvCxnSpPr>
         <p:spPr>
           <a:xfrm flipH="1">
-            <a:off x="2347491" y="2449286"/>
-            <a:ext cx="555171" cy="669137"/>
+            <a:off x="2247146" y="2449286"/>
+            <a:ext cx="3288" cy="678317"/>
           </a:xfrm>
           <a:prstGeom prst="straightConnector1">
             <a:avLst/>
           </a:prstGeom>
           <a:ln>
-            <a:tailEnd type="triangle"/>
+            <a:tailEnd type="triangle" w="lg" len="med"/>
           </a:ln>
         </p:spPr>
         <p:style>
@@ -3945,13 +3945,13 @@
         <p:spPr>
           <a:xfrm>
             <a:off x="897323" y="2449286"/>
-            <a:ext cx="1450168" cy="669137"/>
+            <a:ext cx="1349823" cy="678317"/>
           </a:xfrm>
           <a:prstGeom prst="straightConnector1">
             <a:avLst/>
           </a:prstGeom>
           <a:ln>
-            <a:tailEnd type="triangle"/>
+            <a:tailEnd type="triangle" w="lg" len="med"/>
           </a:ln>
         </p:spPr>
         <p:style>
@@ -3983,7 +3983,7 @@
         </p:nvSpPr>
         <p:spPr>
           <a:xfrm>
-            <a:off x="1437204" y="4185222"/>
+            <a:off x="1111090" y="4215957"/>
             <a:ext cx="914400" cy="370115"/>
           </a:xfrm>
           <a:prstGeom prst="foldedCorner">
@@ -3992,6 +3992,9 @@
           <a:solidFill>
             <a:srgbClr val="FF33C7"/>
           </a:solidFill>
+          <a:ln>
+            <a:round/>
+          </a:ln>
         </p:spPr>
         <p:style>
           <a:lnRef idx="1">
@@ -4037,14 +4040,14 @@
         </p:nvCxnSpPr>
         <p:spPr>
           <a:xfrm flipH="1">
-            <a:off x="1894404" y="3488538"/>
-            <a:ext cx="453087" cy="696684"/>
+            <a:off x="1568290" y="3497718"/>
+            <a:ext cx="678856" cy="718239"/>
           </a:xfrm>
           <a:prstGeom prst="straightConnector1">
             <a:avLst/>
           </a:prstGeom>
           <a:ln>
-            <a:tailEnd type="triangle"/>
+            <a:tailEnd type="triangle" w="lg" len="med"/>
           </a:ln>
         </p:spPr>
         <p:style>
@@ -4081,13 +4084,13 @@
         <p:spPr>
           <a:xfrm>
             <a:off x="897323" y="3505201"/>
-            <a:ext cx="997081" cy="680021"/>
+            <a:ext cx="670967" cy="710756"/>
           </a:xfrm>
           <a:prstGeom prst="straightConnector1">
             <a:avLst/>
           </a:prstGeom>
           <a:ln>
-            <a:tailEnd type="triangle"/>
+            <a:tailEnd type="triangle" w="lg" len="med"/>
           </a:ln>
         </p:spPr>
         <p:style>
@@ -4119,7 +4122,7 @@
         </p:nvSpPr>
         <p:spPr>
           <a:xfrm>
-            <a:off x="4439625" y="4185223"/>
+            <a:off x="3173363" y="2062394"/>
             <a:ext cx="914400" cy="370115"/>
           </a:xfrm>
           <a:prstGeom prst="foldedCorner">
@@ -4166,21 +4169,21 @@
           </p:cNvPr>
           <p:cNvCxnSpPr>
             <a:cxnSpLocks/>
-            <a:stCxn id="34" idx="2"/>
-            <a:endCxn id="49" idx="0"/>
+            <a:stCxn id="49" idx="2"/>
+            <a:endCxn id="34" idx="0"/>
           </p:cNvCxnSpPr>
           <p:nvPr/>
         </p:nvCxnSpPr>
         <p:spPr>
-          <a:xfrm>
-            <a:off x="2347491" y="3488538"/>
-            <a:ext cx="2549334" cy="696685"/>
+          <a:xfrm flipH="1">
+            <a:off x="2247146" y="2432509"/>
+            <a:ext cx="1383417" cy="695094"/>
           </a:xfrm>
           <a:prstGeom prst="straightConnector1">
             <a:avLst/>
           </a:prstGeom>
           <a:ln>
-            <a:tailEnd type="triangle"/>
+            <a:tailEnd type="triangle" w="lg" len="med"/>
           </a:ln>
         </p:spPr>
         <p:style>
@@ -4216,14 +4219,14 @@
         </p:nvCxnSpPr>
         <p:spPr>
           <a:xfrm>
-            <a:off x="4896825" y="1393371"/>
-            <a:ext cx="0" cy="2791852"/>
+            <a:off x="3622034" y="1413093"/>
+            <a:ext cx="8529" cy="649301"/>
           </a:xfrm>
           <a:prstGeom prst="straightConnector1">
             <a:avLst/>
           </a:prstGeom>
           <a:ln>
-            <a:tailEnd type="triangle"/>
+            <a:tailEnd type="triangle" w="lg" len="med"/>
           </a:ln>
         </p:spPr>
         <p:style>
@@ -4259,14 +4262,14 @@
         </p:nvCxnSpPr>
         <p:spPr>
           <a:xfrm>
-            <a:off x="3442543" y="1399149"/>
-            <a:ext cx="1454282" cy="2786074"/>
+            <a:off x="2250434" y="1393144"/>
+            <a:ext cx="1380129" cy="669250"/>
           </a:xfrm>
           <a:prstGeom prst="straightConnector1">
             <a:avLst/>
           </a:prstGeom>
           <a:ln>
-            <a:tailEnd type="triangle"/>
+            <a:tailEnd type="triangle" w="lg" len="med"/>
           </a:ln>
         </p:spPr>
         <p:style>
@@ -4298,7 +4301,7 @@
         </p:nvSpPr>
         <p:spPr>
           <a:xfrm>
-            <a:off x="3255284" y="3118422"/>
+            <a:off x="3167575" y="3127603"/>
             <a:ext cx="914400" cy="370115"/>
           </a:xfrm>
           <a:prstGeom prst="foldedCorner">
@@ -4352,14 +4355,14 @@
         </p:nvCxnSpPr>
         <p:spPr>
           <a:xfrm>
-            <a:off x="2902662" y="2449286"/>
-            <a:ext cx="809822" cy="669136"/>
+            <a:off x="2250434" y="2449286"/>
+            <a:ext cx="1374341" cy="678317"/>
           </a:xfrm>
           <a:prstGeom prst="straightConnector1">
             <a:avLst/>
           </a:prstGeom>
           <a:ln>
-            <a:tailEnd type="triangle"/>
+            <a:tailEnd type="triangle" w="lg" len="med"/>
           </a:ln>
         </p:spPr>
         <p:style>
@@ -4391,8 +4394,8 @@
         </p:nvSpPr>
         <p:spPr>
           <a:xfrm>
-            <a:off x="5807112" y="1153885"/>
-            <a:ext cx="3173600" cy="2631490"/>
+            <a:off x="4539174" y="1023030"/>
+            <a:ext cx="3173600" cy="2800767"/>
           </a:xfrm>
           <a:prstGeom prst="rect">
             <a:avLst/>
@@ -4412,23 +4415,14 @@
           <a:p>
             <a:r>
               <a:rPr lang="nl-NL" sz="1100" dirty="0"/>
-              <a:t>	verantwoordelijkheid opdrachtgever</a:t>
+              <a:t>	input voorfase</a:t>
             </a:r>
           </a:p>
           <a:p>
             <a:r>
               <a:rPr lang="nl-NL" sz="1100" dirty="0"/>
-              <a:t>	</a:t>
-            </a:r>
-          </a:p>
-          <a:p>
-            <a:r>
-              <a:rPr lang="nl-NL" sz="1100" dirty="0"/>
-              <a:t>	verantwoordelijkheid ICTU</a:t>
-            </a:r>
-          </a:p>
-          <a:p>
-            <a:endParaRPr lang="nl-NL" sz="1100" dirty="0"/>
+              <a:t>		</a:t>
+            </a:r>
           </a:p>
           <a:p>
             <a:r>
@@ -4452,6 +4446,18 @@
             <a:endParaRPr lang="nl-NL" sz="1100" dirty="0"/>
           </a:p>
           <a:p>
+            <a:endParaRPr lang="nl-NL" sz="1100" dirty="0"/>
+          </a:p>
+          <a:p>
+            <a:r>
+              <a:rPr lang="nl-NL" sz="1100" dirty="0"/>
+              <a:t>	output voorfase</a:t>
+            </a:r>
+          </a:p>
+          <a:p>
+            <a:endParaRPr lang="nl-NL" sz="1100" dirty="0"/>
+          </a:p>
+          <a:p>
             <a:r>
               <a:rPr lang="nl-NL" sz="1100" dirty="0"/>
               <a:t>FE	functionele eisen</a:t>
@@ -4489,7 +4495,7 @@
           <a:p>
             <a:r>
               <a:rPr lang="nl-NL" sz="1100" dirty="0"/>
-              <a:t>Test	testplannen en testrapportages</a:t>
+              <a:t>Test	testplannen</a:t>
             </a:r>
           </a:p>
           <a:p>
@@ -4514,7 +4520,7 @@
         </p:nvSpPr>
         <p:spPr>
           <a:xfrm>
-            <a:off x="5893907" y="1215797"/>
+            <a:off x="4625969" y="1084942"/>
             <a:ext cx="304800" cy="177574"/>
           </a:xfrm>
           <a:prstGeom prst="foldedCorner">
@@ -4558,7 +4564,7 @@
         </p:nvSpPr>
         <p:spPr>
           <a:xfrm>
-            <a:off x="5893907" y="1512629"/>
+            <a:off x="4636535" y="2236767"/>
             <a:ext cx="304800" cy="177574"/>
           </a:xfrm>
           <a:prstGeom prst="foldedCorner">
@@ -4591,6 +4597,49 @@
           </a:p>
         </p:txBody>
       </p:sp>
+      <p:cxnSp>
+        <p:nvCxnSpPr>
+          <p:cNvPr id="81" name="Rechte verbindingslijn met pijl 80">
+            <a:extLst>
+              <a:ext uri="{FF2B5EF4-FFF2-40B4-BE49-F238E27FC236}">
+                <a16:creationId xmlns:a16="http://schemas.microsoft.com/office/drawing/2014/main" id="{5A6BB3E5-F950-F74D-883D-6F101B2CE8AC}"/>
+              </a:ext>
+            </a:extLst>
+          </p:cNvPr>
+          <p:cNvCxnSpPr>
+            <a:cxnSpLocks/>
+            <a:stCxn id="49" idx="2"/>
+            <a:endCxn id="98" idx="0"/>
+          </p:cNvCxnSpPr>
+          <p:nvPr/>
+        </p:nvCxnSpPr>
+        <p:spPr>
+          <a:xfrm flipH="1">
+            <a:off x="3624775" y="2432509"/>
+            <a:ext cx="5788" cy="695094"/>
+          </a:xfrm>
+          <a:prstGeom prst="straightConnector1">
+            <a:avLst/>
+          </a:prstGeom>
+          <a:ln>
+            <a:tailEnd type="triangle" w="lg" len="med"/>
+          </a:ln>
+        </p:spPr>
+        <p:style>
+          <a:lnRef idx="2">
+            <a:schemeClr val="accent1"/>
+          </a:lnRef>
+          <a:fillRef idx="0">
+            <a:schemeClr val="accent1"/>
+          </a:fillRef>
+          <a:effectRef idx="1">
+            <a:schemeClr val="accent1"/>
+          </a:effectRef>
+          <a:fontRef idx="minor">
+            <a:schemeClr val="tx1"/>
+          </a:fontRef>
+        </p:style>
+      </p:cxnSp>
     </p:spTree>
     <p:extLst>
       <p:ext uri="{BB962C8B-B14F-4D97-AF65-F5344CB8AC3E}">
@@ -5487,14 +5536,16 @@
 
 <file path=customXml/item1.xml><?xml version="1.0" encoding="utf-8"?>
 <?mso-contentType ?>
-<FormTemplates xmlns="http://schemas.microsoft.com/sharepoint/v3/contenttype/forms">
-  <Display>DocumentLibraryForm</Display>
-  <Edit>DocumentLibraryForm</Edit>
-  <New>DocumentLibraryForm</New>
-</FormTemplates>
+<SharedContentType xmlns="Microsoft.SharePoint.Taxonomy.ContentTypeSync" SourceId="a104d5ce-f540-4606-a78d-e5febbb9402b" ContentTypeId="0x010100CA9CDBB764D01E419D82B5B2D492A06E" PreviousValue="false"/>
 </file>
 
 <file path=customXml/item2.xml><?xml version="1.0" encoding="utf-8"?>
+<p:properties xmlns:p="http://schemas.microsoft.com/office/2006/metadata/properties" xmlns:xsi="http://www.w3.org/2001/XMLSchema-instance" xmlns:pc="http://schemas.microsoft.com/office/infopath/2007/PartnerControls">
+  <documentManagement/>
+</p:properties>
+</file>
+
+<file path=customXml/item3.xml><?xml version="1.0" encoding="utf-8"?>
 <ct:contentTypeSchema xmlns:ct="http://schemas.microsoft.com/office/2006/metadata/contentType" xmlns:ma="http://schemas.microsoft.com/office/2006/metadata/properties/metaAttributes" ct:_="" ma:_="" ma:contentTypeName="ICTU Blanco Document" ma:contentTypeID="0x010100CA9CDBB764D01E419D82B5B2D492A06E00E64732FD58622849ADF98223EDB743FB" ma:contentTypeVersion="1" ma:contentTypeDescription="Een nieuw document maken." ma:contentTypeScope="" ma:versionID="28f69a9cb16ef1d87fe474606945a2f9">
   <xsd:schema xmlns:xsd="http://www.w3.org/2001/XMLSchema" xmlns:xs="http://www.w3.org/2001/XMLSchema" xmlns:p="http://schemas.microsoft.com/office/2006/metadata/properties" targetNamespace="http://schemas.microsoft.com/office/2006/metadata/properties" ma:root="true" ma:fieldsID="fe1b79ded2d1c66a268d2bc825768432">
     <xsd:element name="properties">
@@ -5608,26 +5659,39 @@
 </ct:contentTypeSchema>
 </file>
 
-<file path=customXml/item3.xml><?xml version="1.0" encoding="utf-8"?>
-<p:properties xmlns:p="http://schemas.microsoft.com/office/2006/metadata/properties" xmlns:xsi="http://www.w3.org/2001/XMLSchema-instance" xmlns:pc="http://schemas.microsoft.com/office/infopath/2007/PartnerControls">
-  <documentManagement/>
-</p:properties>
-</file>
-
 <file path=customXml/item4.xml><?xml version="1.0" encoding="utf-8"?>
 <?mso-contentType ?>
-<SharedContentType xmlns="Microsoft.SharePoint.Taxonomy.ContentTypeSync" SourceId="a104d5ce-f540-4606-a78d-e5febbb9402b" ContentTypeId="0x010100CA9CDBB764D01E419D82B5B2D492A06E" PreviousValue="false"/>
+<FormTemplates xmlns="http://schemas.microsoft.com/sharepoint/v3/contenttype/forms">
+  <Display>DocumentLibraryForm</Display>
+  <Edit>DocumentLibraryForm</Edit>
+  <New>DocumentLibraryForm</New>
+</FormTemplates>
 </file>
 
 <file path=customXml/itemProps1.xml><?xml version="1.0" encoding="utf-8"?>
-<ds:datastoreItem xmlns:ds="http://schemas.openxmlformats.org/officeDocument/2006/customXml" ds:itemID="{C6E14BCB-FF18-43C2-9B39-2D1FBFF2F7E2}">
+<ds:datastoreItem xmlns:ds="http://schemas.openxmlformats.org/officeDocument/2006/customXml" ds:itemID="{6DB5B419-F5CF-48E9-BE51-6DA9FADDD3D2}">
   <ds:schemaRefs>
-    <ds:schemaRef ds:uri="http://schemas.microsoft.com/sharepoint/v3/contenttype/forms"/>
+    <ds:schemaRef ds:uri="Microsoft.SharePoint.Taxonomy.ContentTypeSync"/>
   </ds:schemaRefs>
 </ds:datastoreItem>
 </file>
 
 <file path=customXml/itemProps2.xml><?xml version="1.0" encoding="utf-8"?>
+<ds:datastoreItem xmlns:ds="http://schemas.openxmlformats.org/officeDocument/2006/customXml" ds:itemID="{0F77E14F-9640-4513-8E7C-CB18D1FB76F5}">
+  <ds:schemaRefs>
+    <ds:schemaRef ds:uri="http://schemas.openxmlformats.org/package/2006/metadata/core-properties"/>
+    <ds:schemaRef ds:uri="http://purl.org/dc/dcmitype/"/>
+    <ds:schemaRef ds:uri="http://purl.org/dc/elements/1.1/"/>
+    <ds:schemaRef ds:uri="http://schemas.microsoft.com/office/2006/documentManagement/types"/>
+    <ds:schemaRef ds:uri="http://purl.org/dc/terms/"/>
+    <ds:schemaRef ds:uri="http://schemas.microsoft.com/office/infopath/2007/PartnerControls"/>
+    <ds:schemaRef ds:uri="http://schemas.microsoft.com/office/2006/metadata/properties"/>
+    <ds:schemaRef ds:uri="http://www.w3.org/XML/1998/namespace"/>
+  </ds:schemaRefs>
+</ds:datastoreItem>
+</file>
+
+<file path=customXml/itemProps3.xml><?xml version="1.0" encoding="utf-8"?>
 <ds:datastoreItem xmlns:ds="http://schemas.openxmlformats.org/officeDocument/2006/customXml" ds:itemID="{4DB5BCB5-1715-4DB7-B20A-25FB39179062}">
   <ds:schemaRefs>
     <ds:schemaRef ds:uri="http://schemas.microsoft.com/office/2006/metadata/contentType"/>
@@ -5643,25 +5707,10 @@
 </ds:datastoreItem>
 </file>
 
-<file path=customXml/itemProps3.xml><?xml version="1.0" encoding="utf-8"?>
-<ds:datastoreItem xmlns:ds="http://schemas.openxmlformats.org/officeDocument/2006/customXml" ds:itemID="{0F77E14F-9640-4513-8E7C-CB18D1FB76F5}">
+<file path=customXml/itemProps4.xml><?xml version="1.0" encoding="utf-8"?>
+<ds:datastoreItem xmlns:ds="http://schemas.openxmlformats.org/officeDocument/2006/customXml" ds:itemID="{C6E14BCB-FF18-43C2-9B39-2D1FBFF2F7E2}">
   <ds:schemaRefs>
-    <ds:schemaRef ds:uri="http://schemas.openxmlformats.org/package/2006/metadata/core-properties"/>
-    <ds:schemaRef ds:uri="http://purl.org/dc/dcmitype/"/>
-    <ds:schemaRef ds:uri="http://purl.org/dc/elements/1.1/"/>
-    <ds:schemaRef ds:uri="http://schemas.microsoft.com/office/2006/documentManagement/types"/>
-    <ds:schemaRef ds:uri="http://purl.org/dc/terms/"/>
-    <ds:schemaRef ds:uri="http://schemas.microsoft.com/office/infopath/2007/PartnerControls"/>
-    <ds:schemaRef ds:uri="http://schemas.microsoft.com/office/2006/metadata/properties"/>
-    <ds:schemaRef ds:uri="http://www.w3.org/XML/1998/namespace"/>
-  </ds:schemaRefs>
-</ds:datastoreItem>
-</file>
-
-<file path=customXml/itemProps4.xml><?xml version="1.0" encoding="utf-8"?>
-<ds:datastoreItem xmlns:ds="http://schemas.openxmlformats.org/officeDocument/2006/customXml" ds:itemID="{6DB5B419-F5CF-48E9-BE51-6DA9FADDD3D2}">
-  <ds:schemaRefs>
-    <ds:schemaRef ds:uri="Microsoft.SharePoint.Taxonomy.ContentTypeSync"/>
+    <ds:schemaRef ds:uri="http://schemas.microsoft.com/sharepoint/v3/contenttype/forms"/>
   </ds:schemaRefs>
 </ds:datastoreItem>
 </file>
--- a/Content/Images/relaties-tussen-producten.pptx
+++ b/Content/Images/relaties-tussen-producten.pptx
@@ -232,7 +232,7 @@
           <a:p>
             <a:fld id="{350B2457-A054-7D40-BA7B-21B0D0BCC8B3}" type="datetimeFigureOut">
               <a:rPr lang="nl-NL" smtClean="0"/>
-              <a:t>08-01-2021</a:t>
+              <a:t>31-01-2022</a:t>
             </a:fld>
             <a:endParaRPr lang="nl-NL"/>
           </a:p>
@@ -373,7 +373,7 @@
             <a:fld id="{B7EEF894-AF89-4A15-B12A-DB6EE2F8B7F6}" type="datetimeFigureOut">
               <a:rPr lang="nl-NL" smtClean="0"/>
               <a:pPr/>
-              <a:t>08-01-2021</a:t>
+              <a:t>31-01-2022</a:t>
             </a:fld>
             <a:endParaRPr lang="nl-NL"/>
           </a:p>
@@ -4017,7 +4017,7 @@
             <a:pPr algn="ctr"/>
             <a:r>
               <a:rPr lang="nl-NL" dirty="0"/>
-              <a:t>Test</a:t>
+              <a:t>TP</a:t>
             </a:r>
           </a:p>
         </p:txBody>
@@ -4395,7 +4395,7 @@
         <p:spPr>
           <a:xfrm>
             <a:off x="4539174" y="1023030"/>
-            <a:ext cx="3173600" cy="2800767"/>
+            <a:ext cx="3173600" cy="3139321"/>
           </a:xfrm>
           <a:prstGeom prst="rect">
             <a:avLst/>
@@ -4472,6 +4472,15 @@
           <a:p>
             <a:r>
               <a:rPr lang="nl-NL" sz="1100" dirty="0"/>
+              <a:t>IB	informatiebeveiligingsplan</a:t>
+            </a:r>
+          </a:p>
+          <a:p>
+            <a:endParaRPr lang="nl-NL" sz="1100" dirty="0"/>
+          </a:p>
+          <a:p>
+            <a:r>
+              <a:rPr lang="nl-NL" sz="1100" dirty="0"/>
               <a:t>BL	product </a:t>
             </a:r>
             <a:r>
@@ -4493,15 +4502,12 @@
             </a:r>
           </a:p>
           <a:p>
+            <a:endParaRPr lang="nl-NL" sz="1100" dirty="0"/>
+          </a:p>
+          <a:p>
             <a:r>
               <a:rPr lang="nl-NL" sz="1100" dirty="0"/>
-              <a:t>Test	testplannen</a:t>
-            </a:r>
-          </a:p>
-          <a:p>
-            <a:r>
-              <a:rPr lang="nl-NL" sz="1100" dirty="0"/>
-              <a:t>IB	informatiebeveiligingsplan</a:t>
+              <a:t>TP	testplannen</a:t>
             </a:r>
           </a:p>
         </p:txBody>
@@ -5536,16 +5542,25 @@
 
 <file path=customXml/item1.xml><?xml version="1.0" encoding="utf-8"?>
 <?mso-contentType ?>
+<FormTemplates xmlns="http://schemas.microsoft.com/sharepoint/v3/contenttype/forms">
+  <Display>DocumentLibraryForm</Display>
+  <Edit>DocumentLibraryForm</Edit>
+  <New>DocumentLibraryForm</New>
+</FormTemplates>
+</file>
+
+<file path=customXml/item2.xml><?xml version="1.0" encoding="utf-8"?>
+<?mso-contentType ?>
 <SharedContentType xmlns="Microsoft.SharePoint.Taxonomy.ContentTypeSync" SourceId="a104d5ce-f540-4606-a78d-e5febbb9402b" ContentTypeId="0x010100CA9CDBB764D01E419D82B5B2D492A06E" PreviousValue="false"/>
 </file>
 
-<file path=customXml/item2.xml><?xml version="1.0" encoding="utf-8"?>
+<file path=customXml/item3.xml><?xml version="1.0" encoding="utf-8"?>
 <p:properties xmlns:p="http://schemas.microsoft.com/office/2006/metadata/properties" xmlns:xsi="http://www.w3.org/2001/XMLSchema-instance" xmlns:pc="http://schemas.microsoft.com/office/infopath/2007/PartnerControls">
   <documentManagement/>
 </p:properties>
 </file>
 
-<file path=customXml/item3.xml><?xml version="1.0" encoding="utf-8"?>
+<file path=customXml/item4.xml><?xml version="1.0" encoding="utf-8"?>
 <ct:contentTypeSchema xmlns:ct="http://schemas.microsoft.com/office/2006/metadata/contentType" xmlns:ma="http://schemas.microsoft.com/office/2006/metadata/properties/metaAttributes" ct:_="" ma:_="" ma:contentTypeName="ICTU Blanco Document" ma:contentTypeID="0x010100CA9CDBB764D01E419D82B5B2D492A06E00E64732FD58622849ADF98223EDB743FB" ma:contentTypeVersion="1" ma:contentTypeDescription="Een nieuw document maken." ma:contentTypeScope="" ma:versionID="28f69a9cb16ef1d87fe474606945a2f9">
   <xsd:schema xmlns:xsd="http://www.w3.org/2001/XMLSchema" xmlns:xs="http://www.w3.org/2001/XMLSchema" xmlns:p="http://schemas.microsoft.com/office/2006/metadata/properties" targetNamespace="http://schemas.microsoft.com/office/2006/metadata/properties" ma:root="true" ma:fieldsID="fe1b79ded2d1c66a268d2bc825768432">
     <xsd:element name="properties">
@@ -5659,16 +5674,15 @@
 </ct:contentTypeSchema>
 </file>
 
-<file path=customXml/item4.xml><?xml version="1.0" encoding="utf-8"?>
-<?mso-contentType ?>
-<FormTemplates xmlns="http://schemas.microsoft.com/sharepoint/v3/contenttype/forms">
-  <Display>DocumentLibraryForm</Display>
-  <Edit>DocumentLibraryForm</Edit>
-  <New>DocumentLibraryForm</New>
-</FormTemplates>
+<file path=customXml/itemProps1.xml><?xml version="1.0" encoding="utf-8"?>
+<ds:datastoreItem xmlns:ds="http://schemas.openxmlformats.org/officeDocument/2006/customXml" ds:itemID="{C6E14BCB-FF18-43C2-9B39-2D1FBFF2F7E2}">
+  <ds:schemaRefs>
+    <ds:schemaRef ds:uri="http://schemas.microsoft.com/sharepoint/v3/contenttype/forms"/>
+  </ds:schemaRefs>
+</ds:datastoreItem>
 </file>
 
-<file path=customXml/itemProps1.xml><?xml version="1.0" encoding="utf-8"?>
+<file path=customXml/itemProps2.xml><?xml version="1.0" encoding="utf-8"?>
 <ds:datastoreItem xmlns:ds="http://schemas.openxmlformats.org/officeDocument/2006/customXml" ds:itemID="{6DB5B419-F5CF-48E9-BE51-6DA9FADDD3D2}">
   <ds:schemaRefs>
     <ds:schemaRef ds:uri="Microsoft.SharePoint.Taxonomy.ContentTypeSync"/>
@@ -5676,7 +5690,7 @@
 </ds:datastoreItem>
 </file>
 
-<file path=customXml/itemProps2.xml><?xml version="1.0" encoding="utf-8"?>
+<file path=customXml/itemProps3.xml><?xml version="1.0" encoding="utf-8"?>
 <ds:datastoreItem xmlns:ds="http://schemas.openxmlformats.org/officeDocument/2006/customXml" ds:itemID="{0F77E14F-9640-4513-8E7C-CB18D1FB76F5}">
   <ds:schemaRefs>
     <ds:schemaRef ds:uri="http://schemas.openxmlformats.org/package/2006/metadata/core-properties"/>
@@ -5691,7 +5705,7 @@
 </ds:datastoreItem>
 </file>
 
-<file path=customXml/itemProps3.xml><?xml version="1.0" encoding="utf-8"?>
+<file path=customXml/itemProps4.xml><?xml version="1.0" encoding="utf-8"?>
 <ds:datastoreItem xmlns:ds="http://schemas.openxmlformats.org/officeDocument/2006/customXml" ds:itemID="{4DB5BCB5-1715-4DB7-B20A-25FB39179062}">
   <ds:schemaRefs>
     <ds:schemaRef ds:uri="http://schemas.microsoft.com/office/2006/metadata/contentType"/>
@@ -5705,12 +5719,4 @@
     <ds:schemaRef ds:uri="http://schemas.microsoft.com/office/infopath/2007/PartnerControls"/>
   </ds:schemaRefs>
 </ds:datastoreItem>
-</file>
-
-<file path=customXml/itemProps4.xml><?xml version="1.0" encoding="utf-8"?>
-<ds:datastoreItem xmlns:ds="http://schemas.openxmlformats.org/officeDocument/2006/customXml" ds:itemID="{C6E14BCB-FF18-43C2-9B39-2D1FBFF2F7E2}">
-  <ds:schemaRefs>
-    <ds:schemaRef ds:uri="http://schemas.microsoft.com/sharepoint/v3/contenttype/forms"/>
-  </ds:schemaRefs>
-</ds:datastoreItem>
 </file>
--- a/Content/Images/relaties-tussen-producten.pptx
+++ b/Content/Images/relaties-tussen-producten.pptx
@@ -232,7 +232,7 @@
           <a:p>
             <a:fld id="{350B2457-A054-7D40-BA7B-21B0D0BCC8B3}" type="datetimeFigureOut">
               <a:rPr lang="nl-NL" smtClean="0"/>
-              <a:t>31-01-2022</a:t>
+              <a:t>03-02-2022</a:t>
             </a:fld>
             <a:endParaRPr lang="nl-NL"/>
           </a:p>
@@ -373,7 +373,7 @@
             <a:fld id="{B7EEF894-AF89-4A15-B12A-DB6EE2F8B7F6}" type="datetimeFigureOut">
               <a:rPr lang="nl-NL" smtClean="0"/>
               <a:pPr/>
-              <a:t>31-01-2022</a:t>
+              <a:t>03-02-2022</a:t>
             </a:fld>
             <a:endParaRPr lang="nl-NL"/>
           </a:p>
@@ -3304,6 +3304,12 @@
           <a:prstGeom prst="foldedCorner">
             <a:avLst/>
           </a:prstGeom>
+          <a:solidFill>
+            <a:schemeClr val="accent2">
+              <a:lumMod val="40000"/>
+              <a:lumOff val="60000"/>
+            </a:schemeClr>
+          </a:solidFill>
         </p:spPr>
         <p:style>
           <a:lnRef idx="1">
@@ -3325,7 +3331,11 @@
           <a:p>
             <a:pPr algn="ctr"/>
             <a:r>
-              <a:rPr lang="nl-NL" dirty="0"/>
+              <a:rPr lang="nl-NL" dirty="0">
+                <a:solidFill>
+                  <a:schemeClr val="tx1"/>
+                </a:solidFill>
+              </a:rPr>
               <a:t>PSA</a:t>
             </a:r>
           </a:p>
@@ -3351,6 +3361,12 @@
           <a:prstGeom prst="foldedCorner">
             <a:avLst/>
           </a:prstGeom>
+          <a:solidFill>
+            <a:schemeClr val="accent2">
+              <a:lumMod val="40000"/>
+              <a:lumOff val="60000"/>
+            </a:schemeClr>
+          </a:solidFill>
         </p:spPr>
         <p:style>
           <a:lnRef idx="1">
@@ -3372,7 +3388,11 @@
           <a:p>
             <a:pPr algn="ctr"/>
             <a:r>
-              <a:rPr lang="nl-NL" dirty="0"/>
+              <a:rPr lang="nl-NL" dirty="0">
+                <a:solidFill>
+                  <a:schemeClr val="tx1"/>
+                </a:solidFill>
+              </a:rPr>
               <a:t>BIA</a:t>
             </a:r>
           </a:p>
@@ -3398,6 +3418,12 @@
           <a:prstGeom prst="foldedCorner">
             <a:avLst/>
           </a:prstGeom>
+          <a:solidFill>
+            <a:schemeClr val="accent2">
+              <a:lumMod val="40000"/>
+              <a:lumOff val="60000"/>
+            </a:schemeClr>
+          </a:solidFill>
         </p:spPr>
         <p:style>
           <a:lnRef idx="1">
@@ -3419,7 +3445,11 @@
           <a:p>
             <a:pPr algn="ctr"/>
             <a:r>
-              <a:rPr lang="nl-NL" dirty="0"/>
+              <a:rPr lang="nl-NL" dirty="0">
+                <a:solidFill>
+                  <a:schemeClr val="tx1"/>
+                </a:solidFill>
+              </a:rPr>
               <a:t>PIA</a:t>
             </a:r>
           </a:p>
@@ -3446,7 +3476,10 @@
             <a:avLst/>
           </a:prstGeom>
           <a:solidFill>
-            <a:srgbClr val="FF33C7"/>
+            <a:schemeClr val="accent4">
+              <a:lumMod val="40000"/>
+              <a:lumOff val="60000"/>
+            </a:schemeClr>
           </a:solidFill>
         </p:spPr>
         <p:style>
@@ -3469,7 +3502,11 @@
           <a:p>
             <a:pPr algn="ctr"/>
             <a:r>
-              <a:rPr lang="nl-NL" dirty="0"/>
+              <a:rPr lang="nl-NL" dirty="0">
+                <a:solidFill>
+                  <a:schemeClr val="tx1"/>
+                </a:solidFill>
+              </a:rPr>
               <a:t>FE</a:t>
             </a:r>
           </a:p>
@@ -3539,7 +3576,10 @@
             <a:avLst/>
           </a:prstGeom>
           <a:solidFill>
-            <a:srgbClr val="FF33C7"/>
+            <a:schemeClr val="accent4">
+              <a:lumMod val="40000"/>
+              <a:lumOff val="60000"/>
+            </a:schemeClr>
           </a:solidFill>
         </p:spPr>
         <p:style>
@@ -3562,7 +3602,11 @@
           <a:p>
             <a:pPr algn="ctr"/>
             <a:r>
-              <a:rPr lang="nl-NL" dirty="0"/>
+              <a:rPr lang="nl-NL" dirty="0">
+                <a:solidFill>
+                  <a:schemeClr val="tx1"/>
+                </a:solidFill>
+              </a:rPr>
               <a:t>NFE</a:t>
             </a:r>
           </a:p>
@@ -3718,7 +3762,10 @@
             <a:avLst/>
           </a:prstGeom>
           <a:solidFill>
-            <a:srgbClr val="FF33C7"/>
+            <a:schemeClr val="accent4">
+              <a:lumMod val="40000"/>
+              <a:lumOff val="60000"/>
+            </a:schemeClr>
           </a:solidFill>
         </p:spPr>
         <p:style>
@@ -3741,7 +3788,11 @@
           <a:p>
             <a:pPr algn="ctr"/>
             <a:r>
-              <a:rPr lang="nl-NL" dirty="0"/>
+              <a:rPr lang="nl-NL" dirty="0">
+                <a:solidFill>
+                  <a:schemeClr val="tx1"/>
+                </a:solidFill>
+              </a:rPr>
               <a:t>BL</a:t>
             </a:r>
           </a:p>
@@ -3854,7 +3905,10 @@
             <a:avLst/>
           </a:prstGeom>
           <a:solidFill>
-            <a:srgbClr val="FF33C7"/>
+            <a:schemeClr val="accent4">
+              <a:lumMod val="40000"/>
+              <a:lumOff val="60000"/>
+            </a:schemeClr>
           </a:solidFill>
         </p:spPr>
         <p:style>
@@ -3877,7 +3931,11 @@
           <a:p>
             <a:pPr algn="ctr"/>
             <a:r>
-              <a:rPr lang="nl-NL" dirty="0"/>
+              <a:rPr lang="nl-NL" dirty="0">
+                <a:solidFill>
+                  <a:schemeClr val="tx1"/>
+                </a:solidFill>
+              </a:rPr>
               <a:t>O&amp;A</a:t>
             </a:r>
           </a:p>
@@ -3990,7 +4048,10 @@
             <a:avLst/>
           </a:prstGeom>
           <a:solidFill>
-            <a:srgbClr val="FF33C7"/>
+            <a:schemeClr val="accent4">
+              <a:lumMod val="40000"/>
+              <a:lumOff val="60000"/>
+            </a:schemeClr>
           </a:solidFill>
           <a:ln>
             <a:round/>
@@ -4016,7 +4077,11 @@
           <a:p>
             <a:pPr algn="ctr"/>
             <a:r>
-              <a:rPr lang="nl-NL" dirty="0"/>
+              <a:rPr lang="nl-NL" dirty="0">
+                <a:solidFill>
+                  <a:schemeClr val="tx1"/>
+                </a:solidFill>
+              </a:rPr>
               <a:t>TP</a:t>
             </a:r>
           </a:p>
@@ -4129,7 +4194,10 @@
             <a:avLst/>
           </a:prstGeom>
           <a:solidFill>
-            <a:srgbClr val="FF33C7"/>
+            <a:schemeClr val="accent4">
+              <a:lumMod val="40000"/>
+              <a:lumOff val="60000"/>
+            </a:schemeClr>
           </a:solidFill>
         </p:spPr>
         <p:style>
@@ -4152,7 +4220,11 @@
           <a:p>
             <a:pPr algn="ctr"/>
             <a:r>
-              <a:rPr lang="nl-NL" dirty="0"/>
+              <a:rPr lang="nl-NL" dirty="0">
+                <a:solidFill>
+                  <a:schemeClr val="tx1"/>
+                </a:solidFill>
+              </a:rPr>
               <a:t>IB</a:t>
             </a:r>
           </a:p>
@@ -4308,7 +4380,10 @@
             <a:avLst/>
           </a:prstGeom>
           <a:solidFill>
-            <a:srgbClr val="FF33C7"/>
+            <a:schemeClr val="accent4">
+              <a:lumMod val="40000"/>
+              <a:lumOff val="60000"/>
+            </a:schemeClr>
           </a:solidFill>
         </p:spPr>
         <p:style>
@@ -4331,7 +4406,11 @@
           <a:p>
             <a:pPr algn="ctr"/>
             <a:r>
-              <a:rPr lang="nl-NL" dirty="0"/>
+              <a:rPr lang="nl-NL" dirty="0">
+                <a:solidFill>
+                  <a:schemeClr val="tx1"/>
+                </a:solidFill>
+              </a:rPr>
               <a:t>KP</a:t>
             </a:r>
           </a:p>
@@ -4532,6 +4611,12 @@
           <a:prstGeom prst="foldedCorner">
             <a:avLst/>
           </a:prstGeom>
+          <a:solidFill>
+            <a:schemeClr val="accent2">
+              <a:lumMod val="40000"/>
+              <a:lumOff val="60000"/>
+            </a:schemeClr>
+          </a:solidFill>
         </p:spPr>
         <p:style>
           <a:lnRef idx="1">
@@ -4577,7 +4662,10 @@
             <a:avLst/>
           </a:prstGeom>
           <a:solidFill>
-            <a:srgbClr val="FF33C7"/>
+            <a:schemeClr val="accent4">
+              <a:lumMod val="40000"/>
+              <a:lumOff val="60000"/>
+            </a:schemeClr>
           </a:solidFill>
         </p:spPr>
         <p:style>
@@ -5542,6 +5630,11 @@
 
 <file path=customXml/item1.xml><?xml version="1.0" encoding="utf-8"?>
 <?mso-contentType ?>
+<SharedContentType xmlns="Microsoft.SharePoint.Taxonomy.ContentTypeSync" SourceId="a104d5ce-f540-4606-a78d-e5febbb9402b" ContentTypeId="0x010100CA9CDBB764D01E419D82B5B2D492A06E" PreviousValue="false"/>
+</file>
+
+<file path=customXml/item2.xml><?xml version="1.0" encoding="utf-8"?>
+<?mso-contentType ?>
 <FormTemplates xmlns="http://schemas.microsoft.com/sharepoint/v3/contenttype/forms">
   <Display>DocumentLibraryForm</Display>
   <Edit>DocumentLibraryForm</Edit>
@@ -5549,18 +5642,7 @@
 </FormTemplates>
 </file>
 
-<file path=customXml/item2.xml><?xml version="1.0" encoding="utf-8"?>
-<?mso-contentType ?>
-<SharedContentType xmlns="Microsoft.SharePoint.Taxonomy.ContentTypeSync" SourceId="a104d5ce-f540-4606-a78d-e5febbb9402b" ContentTypeId="0x010100CA9CDBB764D01E419D82B5B2D492A06E" PreviousValue="false"/>
-</file>
-
 <file path=customXml/item3.xml><?xml version="1.0" encoding="utf-8"?>
-<p:properties xmlns:p="http://schemas.microsoft.com/office/2006/metadata/properties" xmlns:xsi="http://www.w3.org/2001/XMLSchema-instance" xmlns:pc="http://schemas.microsoft.com/office/infopath/2007/PartnerControls">
-  <documentManagement/>
-</p:properties>
-</file>
-
-<file path=customXml/item4.xml><?xml version="1.0" encoding="utf-8"?>
 <ct:contentTypeSchema xmlns:ct="http://schemas.microsoft.com/office/2006/metadata/contentType" xmlns:ma="http://schemas.microsoft.com/office/2006/metadata/properties/metaAttributes" ct:_="" ma:_="" ma:contentTypeName="ICTU Blanco Document" ma:contentTypeID="0x010100CA9CDBB764D01E419D82B5B2D492A06E00E64732FD58622849ADF98223EDB743FB" ma:contentTypeVersion="1" ma:contentTypeDescription="Een nieuw document maken." ma:contentTypeScope="" ma:versionID="28f69a9cb16ef1d87fe474606945a2f9">
   <xsd:schema xmlns:xsd="http://www.w3.org/2001/XMLSchema" xmlns:xs="http://www.w3.org/2001/XMLSchema" xmlns:p="http://schemas.microsoft.com/office/2006/metadata/properties" targetNamespace="http://schemas.microsoft.com/office/2006/metadata/properties" ma:root="true" ma:fieldsID="fe1b79ded2d1c66a268d2bc825768432">
     <xsd:element name="properties">
@@ -5674,7 +5756,21 @@
 </ct:contentTypeSchema>
 </file>
 
+<file path=customXml/item4.xml><?xml version="1.0" encoding="utf-8"?>
+<p:properties xmlns:p="http://schemas.microsoft.com/office/2006/metadata/properties" xmlns:xsi="http://www.w3.org/2001/XMLSchema-instance" xmlns:pc="http://schemas.microsoft.com/office/infopath/2007/PartnerControls">
+  <documentManagement/>
+</p:properties>
+</file>
+
 <file path=customXml/itemProps1.xml><?xml version="1.0" encoding="utf-8"?>
+<ds:datastoreItem xmlns:ds="http://schemas.openxmlformats.org/officeDocument/2006/customXml" ds:itemID="{6DB5B419-F5CF-48E9-BE51-6DA9FADDD3D2}">
+  <ds:schemaRefs>
+    <ds:schemaRef ds:uri="Microsoft.SharePoint.Taxonomy.ContentTypeSync"/>
+  </ds:schemaRefs>
+</ds:datastoreItem>
+</file>
+
+<file path=customXml/itemProps2.xml><?xml version="1.0" encoding="utf-8"?>
 <ds:datastoreItem xmlns:ds="http://schemas.openxmlformats.org/officeDocument/2006/customXml" ds:itemID="{C6E14BCB-FF18-43C2-9B39-2D1FBFF2F7E2}">
   <ds:schemaRefs>
     <ds:schemaRef ds:uri="http://schemas.microsoft.com/sharepoint/v3/contenttype/forms"/>
@@ -5682,30 +5778,7 @@
 </ds:datastoreItem>
 </file>
 
-<file path=customXml/itemProps2.xml><?xml version="1.0" encoding="utf-8"?>
-<ds:datastoreItem xmlns:ds="http://schemas.openxmlformats.org/officeDocument/2006/customXml" ds:itemID="{6DB5B419-F5CF-48E9-BE51-6DA9FADDD3D2}">
-  <ds:schemaRefs>
-    <ds:schemaRef ds:uri="Microsoft.SharePoint.Taxonomy.ContentTypeSync"/>
-  </ds:schemaRefs>
-</ds:datastoreItem>
-</file>
-
 <file path=customXml/itemProps3.xml><?xml version="1.0" encoding="utf-8"?>
-<ds:datastoreItem xmlns:ds="http://schemas.openxmlformats.org/officeDocument/2006/customXml" ds:itemID="{0F77E14F-9640-4513-8E7C-CB18D1FB76F5}">
-  <ds:schemaRefs>
-    <ds:schemaRef ds:uri="http://schemas.openxmlformats.org/package/2006/metadata/core-properties"/>
-    <ds:schemaRef ds:uri="http://purl.org/dc/dcmitype/"/>
-    <ds:schemaRef ds:uri="http://purl.org/dc/elements/1.1/"/>
-    <ds:schemaRef ds:uri="http://schemas.microsoft.com/office/2006/documentManagement/types"/>
-    <ds:schemaRef ds:uri="http://purl.org/dc/terms/"/>
-    <ds:schemaRef ds:uri="http://schemas.microsoft.com/office/infopath/2007/PartnerControls"/>
-    <ds:schemaRef ds:uri="http://schemas.microsoft.com/office/2006/metadata/properties"/>
-    <ds:schemaRef ds:uri="http://www.w3.org/XML/1998/namespace"/>
-  </ds:schemaRefs>
-</ds:datastoreItem>
-</file>
-
-<file path=customXml/itemProps4.xml><?xml version="1.0" encoding="utf-8"?>
 <ds:datastoreItem xmlns:ds="http://schemas.openxmlformats.org/officeDocument/2006/customXml" ds:itemID="{4DB5BCB5-1715-4DB7-B20A-25FB39179062}">
   <ds:schemaRefs>
     <ds:schemaRef ds:uri="http://schemas.microsoft.com/office/2006/metadata/contentType"/>
@@ -5719,4 +5792,19 @@
     <ds:schemaRef ds:uri="http://schemas.microsoft.com/office/infopath/2007/PartnerControls"/>
   </ds:schemaRefs>
 </ds:datastoreItem>
+</file>
+
+<file path=customXml/itemProps4.xml><?xml version="1.0" encoding="utf-8"?>
+<ds:datastoreItem xmlns:ds="http://schemas.openxmlformats.org/officeDocument/2006/customXml" ds:itemID="{0F77E14F-9640-4513-8E7C-CB18D1FB76F5}">
+  <ds:schemaRefs>
+    <ds:schemaRef ds:uri="http://schemas.openxmlformats.org/package/2006/metadata/core-properties"/>
+    <ds:schemaRef ds:uri="http://purl.org/dc/dcmitype/"/>
+    <ds:schemaRef ds:uri="http://purl.org/dc/elements/1.1/"/>
+    <ds:schemaRef ds:uri="http://schemas.microsoft.com/office/2006/documentManagement/types"/>
+    <ds:schemaRef ds:uri="http://purl.org/dc/terms/"/>
+    <ds:schemaRef ds:uri="http://schemas.microsoft.com/office/infopath/2007/PartnerControls"/>
+    <ds:schemaRef ds:uri="http://schemas.microsoft.com/office/2006/metadata/properties"/>
+    <ds:schemaRef ds:uri="http://www.w3.org/XML/1998/namespace"/>
+  </ds:schemaRefs>
+</ds:datastoreItem>
 </file>
--- a/Content/Images/relaties-tussen-producten.pptx
+++ b/Content/Images/relaties-tussen-producten.pptx
@@ -232,7 +232,7 @@
           <a:p>
             <a:fld id="{350B2457-A054-7D40-BA7B-21B0D0BCC8B3}" type="datetimeFigureOut">
               <a:rPr lang="nl-NL" smtClean="0"/>
-              <a:t>08-01-2021</a:t>
+              <a:t>03-02-2022</a:t>
             </a:fld>
             <a:endParaRPr lang="nl-NL"/>
           </a:p>
@@ -373,7 +373,7 @@
             <a:fld id="{B7EEF894-AF89-4A15-B12A-DB6EE2F8B7F6}" type="datetimeFigureOut">
               <a:rPr lang="nl-NL" smtClean="0"/>
               <a:pPr/>
-              <a:t>08-01-2021</a:t>
+              <a:t>03-02-2022</a:t>
             </a:fld>
             <a:endParaRPr lang="nl-NL"/>
           </a:p>
@@ -3304,6 +3304,12 @@
           <a:prstGeom prst="foldedCorner">
             <a:avLst/>
           </a:prstGeom>
+          <a:solidFill>
+            <a:schemeClr val="accent2">
+              <a:lumMod val="40000"/>
+              <a:lumOff val="60000"/>
+            </a:schemeClr>
+          </a:solidFill>
         </p:spPr>
         <p:style>
           <a:lnRef idx="1">
@@ -3325,7 +3331,11 @@
           <a:p>
             <a:pPr algn="ctr"/>
             <a:r>
-              <a:rPr lang="nl-NL" dirty="0"/>
+              <a:rPr lang="nl-NL" dirty="0">
+                <a:solidFill>
+                  <a:schemeClr val="tx1"/>
+                </a:solidFill>
+              </a:rPr>
               <a:t>PSA</a:t>
             </a:r>
           </a:p>
@@ -3351,6 +3361,12 @@
           <a:prstGeom prst="foldedCorner">
             <a:avLst/>
           </a:prstGeom>
+          <a:solidFill>
+            <a:schemeClr val="accent2">
+              <a:lumMod val="40000"/>
+              <a:lumOff val="60000"/>
+            </a:schemeClr>
+          </a:solidFill>
         </p:spPr>
         <p:style>
           <a:lnRef idx="1">
@@ -3372,7 +3388,11 @@
           <a:p>
             <a:pPr algn="ctr"/>
             <a:r>
-              <a:rPr lang="nl-NL" dirty="0"/>
+              <a:rPr lang="nl-NL" dirty="0">
+                <a:solidFill>
+                  <a:schemeClr val="tx1"/>
+                </a:solidFill>
+              </a:rPr>
               <a:t>BIA</a:t>
             </a:r>
           </a:p>
@@ -3398,6 +3418,12 @@
           <a:prstGeom prst="foldedCorner">
             <a:avLst/>
           </a:prstGeom>
+          <a:solidFill>
+            <a:schemeClr val="accent2">
+              <a:lumMod val="40000"/>
+              <a:lumOff val="60000"/>
+            </a:schemeClr>
+          </a:solidFill>
         </p:spPr>
         <p:style>
           <a:lnRef idx="1">
@@ -3419,7 +3445,11 @@
           <a:p>
             <a:pPr algn="ctr"/>
             <a:r>
-              <a:rPr lang="nl-NL" dirty="0"/>
+              <a:rPr lang="nl-NL" dirty="0">
+                <a:solidFill>
+                  <a:schemeClr val="tx1"/>
+                </a:solidFill>
+              </a:rPr>
               <a:t>PIA</a:t>
             </a:r>
           </a:p>
@@ -3446,7 +3476,10 @@
             <a:avLst/>
           </a:prstGeom>
           <a:solidFill>
-            <a:srgbClr val="FF33C7"/>
+            <a:schemeClr val="accent4">
+              <a:lumMod val="40000"/>
+              <a:lumOff val="60000"/>
+            </a:schemeClr>
           </a:solidFill>
         </p:spPr>
         <p:style>
@@ -3469,7 +3502,11 @@
           <a:p>
             <a:pPr algn="ctr"/>
             <a:r>
-              <a:rPr lang="nl-NL" dirty="0"/>
+              <a:rPr lang="nl-NL" dirty="0">
+                <a:solidFill>
+                  <a:schemeClr val="tx1"/>
+                </a:solidFill>
+              </a:rPr>
               <a:t>FE</a:t>
             </a:r>
           </a:p>
@@ -3539,7 +3576,10 @@
             <a:avLst/>
           </a:prstGeom>
           <a:solidFill>
-            <a:srgbClr val="FF33C7"/>
+            <a:schemeClr val="accent4">
+              <a:lumMod val="40000"/>
+              <a:lumOff val="60000"/>
+            </a:schemeClr>
           </a:solidFill>
         </p:spPr>
         <p:style>
@@ -3562,7 +3602,11 @@
           <a:p>
             <a:pPr algn="ctr"/>
             <a:r>
-              <a:rPr lang="nl-NL" dirty="0"/>
+              <a:rPr lang="nl-NL" dirty="0">
+                <a:solidFill>
+                  <a:schemeClr val="tx1"/>
+                </a:solidFill>
+              </a:rPr>
               <a:t>NFE</a:t>
             </a:r>
           </a:p>
@@ -3718,7 +3762,10 @@
             <a:avLst/>
           </a:prstGeom>
           <a:solidFill>
-            <a:srgbClr val="FF33C7"/>
+            <a:schemeClr val="accent4">
+              <a:lumMod val="40000"/>
+              <a:lumOff val="60000"/>
+            </a:schemeClr>
           </a:solidFill>
         </p:spPr>
         <p:style>
@@ -3741,7 +3788,11 @@
           <a:p>
             <a:pPr algn="ctr"/>
             <a:r>
-              <a:rPr lang="nl-NL" dirty="0"/>
+              <a:rPr lang="nl-NL" dirty="0">
+                <a:solidFill>
+                  <a:schemeClr val="tx1"/>
+                </a:solidFill>
+              </a:rPr>
               <a:t>BL</a:t>
             </a:r>
           </a:p>
@@ -3854,7 +3905,10 @@
             <a:avLst/>
           </a:prstGeom>
           <a:solidFill>
-            <a:srgbClr val="FF33C7"/>
+            <a:schemeClr val="accent4">
+              <a:lumMod val="40000"/>
+              <a:lumOff val="60000"/>
+            </a:schemeClr>
           </a:solidFill>
         </p:spPr>
         <p:style>
@@ -3877,7 +3931,11 @@
           <a:p>
             <a:pPr algn="ctr"/>
             <a:r>
-              <a:rPr lang="nl-NL" dirty="0"/>
+              <a:rPr lang="nl-NL" dirty="0">
+                <a:solidFill>
+                  <a:schemeClr val="tx1"/>
+                </a:solidFill>
+              </a:rPr>
               <a:t>O&amp;A</a:t>
             </a:r>
           </a:p>
@@ -3990,7 +4048,10 @@
             <a:avLst/>
           </a:prstGeom>
           <a:solidFill>
-            <a:srgbClr val="FF33C7"/>
+            <a:schemeClr val="accent4">
+              <a:lumMod val="40000"/>
+              <a:lumOff val="60000"/>
+            </a:schemeClr>
           </a:solidFill>
           <a:ln>
             <a:round/>
@@ -4016,8 +4077,12 @@
           <a:p>
             <a:pPr algn="ctr"/>
             <a:r>
-              <a:rPr lang="nl-NL" dirty="0"/>
-              <a:t>Test</a:t>
+              <a:rPr lang="nl-NL" dirty="0">
+                <a:solidFill>
+                  <a:schemeClr val="tx1"/>
+                </a:solidFill>
+              </a:rPr>
+              <a:t>TP</a:t>
             </a:r>
           </a:p>
         </p:txBody>
@@ -4129,7 +4194,10 @@
             <a:avLst/>
           </a:prstGeom>
           <a:solidFill>
-            <a:srgbClr val="FF33C7"/>
+            <a:schemeClr val="accent4">
+              <a:lumMod val="40000"/>
+              <a:lumOff val="60000"/>
+            </a:schemeClr>
           </a:solidFill>
         </p:spPr>
         <p:style>
@@ -4152,7 +4220,11 @@
           <a:p>
             <a:pPr algn="ctr"/>
             <a:r>
-              <a:rPr lang="nl-NL" dirty="0"/>
+              <a:rPr lang="nl-NL" dirty="0">
+                <a:solidFill>
+                  <a:schemeClr val="tx1"/>
+                </a:solidFill>
+              </a:rPr>
               <a:t>IB</a:t>
             </a:r>
           </a:p>
@@ -4308,7 +4380,10 @@
             <a:avLst/>
           </a:prstGeom>
           <a:solidFill>
-            <a:srgbClr val="FF33C7"/>
+            <a:schemeClr val="accent4">
+              <a:lumMod val="40000"/>
+              <a:lumOff val="60000"/>
+            </a:schemeClr>
           </a:solidFill>
         </p:spPr>
         <p:style>
@@ -4331,7 +4406,11 @@
           <a:p>
             <a:pPr algn="ctr"/>
             <a:r>
-              <a:rPr lang="nl-NL" dirty="0"/>
+              <a:rPr lang="nl-NL" dirty="0">
+                <a:solidFill>
+                  <a:schemeClr val="tx1"/>
+                </a:solidFill>
+              </a:rPr>
               <a:t>KP</a:t>
             </a:r>
           </a:p>
@@ -4395,7 +4474,7 @@
         <p:spPr>
           <a:xfrm>
             <a:off x="4539174" y="1023030"/>
-            <a:ext cx="3173600" cy="2800767"/>
+            <a:ext cx="3173600" cy="3139321"/>
           </a:xfrm>
           <a:prstGeom prst="rect">
             <a:avLst/>
@@ -4472,6 +4551,15 @@
           <a:p>
             <a:r>
               <a:rPr lang="nl-NL" sz="1100" dirty="0"/>
+              <a:t>IB	informatiebeveiligingsplan</a:t>
+            </a:r>
+          </a:p>
+          <a:p>
+            <a:endParaRPr lang="nl-NL" sz="1100" dirty="0"/>
+          </a:p>
+          <a:p>
+            <a:r>
+              <a:rPr lang="nl-NL" sz="1100" dirty="0"/>
               <a:t>BL	product </a:t>
             </a:r>
             <a:r>
@@ -4493,15 +4581,12 @@
             </a:r>
           </a:p>
           <a:p>
+            <a:endParaRPr lang="nl-NL" sz="1100" dirty="0"/>
+          </a:p>
+          <a:p>
             <a:r>
               <a:rPr lang="nl-NL" sz="1100" dirty="0"/>
-              <a:t>Test	testplannen</a:t>
-            </a:r>
-          </a:p>
-          <a:p>
-            <a:r>
-              <a:rPr lang="nl-NL" sz="1100" dirty="0"/>
-              <a:t>IB	informatiebeveiligingsplan</a:t>
+              <a:t>TP	testplannen</a:t>
             </a:r>
           </a:p>
         </p:txBody>
@@ -4526,6 +4611,12 @@
           <a:prstGeom prst="foldedCorner">
             <a:avLst/>
           </a:prstGeom>
+          <a:solidFill>
+            <a:schemeClr val="accent2">
+              <a:lumMod val="40000"/>
+              <a:lumOff val="60000"/>
+            </a:schemeClr>
+          </a:solidFill>
         </p:spPr>
         <p:style>
           <a:lnRef idx="1">
@@ -4571,7 +4662,10 @@
             <a:avLst/>
           </a:prstGeom>
           <a:solidFill>
-            <a:srgbClr val="FF33C7"/>
+            <a:schemeClr val="accent4">
+              <a:lumMod val="40000"/>
+              <a:lumOff val="60000"/>
+            </a:schemeClr>
           </a:solidFill>
         </p:spPr>
         <p:style>
@@ -5540,9 +5634,12 @@
 </file>
 
 <file path=customXml/item2.xml><?xml version="1.0" encoding="utf-8"?>
-<p:properties xmlns:p="http://schemas.microsoft.com/office/2006/metadata/properties" xmlns:xsi="http://www.w3.org/2001/XMLSchema-instance" xmlns:pc="http://schemas.microsoft.com/office/infopath/2007/PartnerControls">
-  <documentManagement/>
-</p:properties>
+<?mso-contentType ?>
+<FormTemplates xmlns="http://schemas.microsoft.com/sharepoint/v3/contenttype/forms">
+  <Display>DocumentLibraryForm</Display>
+  <Edit>DocumentLibraryForm</Edit>
+  <New>DocumentLibraryForm</New>
+</FormTemplates>
 </file>
 
 <file path=customXml/item3.xml><?xml version="1.0" encoding="utf-8"?>
@@ -5660,12 +5757,9 @@
 </file>
 
 <file path=customXml/item4.xml><?xml version="1.0" encoding="utf-8"?>
-<?mso-contentType ?>
-<FormTemplates xmlns="http://schemas.microsoft.com/sharepoint/v3/contenttype/forms">
-  <Display>DocumentLibraryForm</Display>
-  <Edit>DocumentLibraryForm</Edit>
-  <New>DocumentLibraryForm</New>
-</FormTemplates>
+<p:properties xmlns:p="http://schemas.microsoft.com/office/2006/metadata/properties" xmlns:xsi="http://www.w3.org/2001/XMLSchema-instance" xmlns:pc="http://schemas.microsoft.com/office/infopath/2007/PartnerControls">
+  <documentManagement/>
+</p:properties>
 </file>
 
 <file path=customXml/itemProps1.xml><?xml version="1.0" encoding="utf-8"?>
@@ -5677,16 +5771,9 @@
 </file>
 
 <file path=customXml/itemProps2.xml><?xml version="1.0" encoding="utf-8"?>
-<ds:datastoreItem xmlns:ds="http://schemas.openxmlformats.org/officeDocument/2006/customXml" ds:itemID="{0F77E14F-9640-4513-8E7C-CB18D1FB76F5}">
+<ds:datastoreItem xmlns:ds="http://schemas.openxmlformats.org/officeDocument/2006/customXml" ds:itemID="{C6E14BCB-FF18-43C2-9B39-2D1FBFF2F7E2}">
   <ds:schemaRefs>
-    <ds:schemaRef ds:uri="http://schemas.openxmlformats.org/package/2006/metadata/core-properties"/>
-    <ds:schemaRef ds:uri="http://purl.org/dc/dcmitype/"/>
-    <ds:schemaRef ds:uri="http://purl.org/dc/elements/1.1/"/>
-    <ds:schemaRef ds:uri="http://schemas.microsoft.com/office/2006/documentManagement/types"/>
-    <ds:schemaRef ds:uri="http://purl.org/dc/terms/"/>
-    <ds:schemaRef ds:uri="http://schemas.microsoft.com/office/infopath/2007/PartnerControls"/>
-    <ds:schemaRef ds:uri="http://schemas.microsoft.com/office/2006/metadata/properties"/>
-    <ds:schemaRef ds:uri="http://www.w3.org/XML/1998/namespace"/>
+    <ds:schemaRef ds:uri="http://schemas.microsoft.com/sharepoint/v3/contenttype/forms"/>
   </ds:schemaRefs>
 </ds:datastoreItem>
 </file>
@@ -5708,9 +5795,16 @@
 </file>
 
 <file path=customXml/itemProps4.xml><?xml version="1.0" encoding="utf-8"?>
-<ds:datastoreItem xmlns:ds="http://schemas.openxmlformats.org/officeDocument/2006/customXml" ds:itemID="{C6E14BCB-FF18-43C2-9B39-2D1FBFF2F7E2}">
+<ds:datastoreItem xmlns:ds="http://schemas.openxmlformats.org/officeDocument/2006/customXml" ds:itemID="{0F77E14F-9640-4513-8E7C-CB18D1FB76F5}">
   <ds:schemaRefs>
-    <ds:schemaRef ds:uri="http://schemas.microsoft.com/sharepoint/v3/contenttype/forms"/>
+    <ds:schemaRef ds:uri="http://schemas.openxmlformats.org/package/2006/metadata/core-properties"/>
+    <ds:schemaRef ds:uri="http://purl.org/dc/dcmitype/"/>
+    <ds:schemaRef ds:uri="http://purl.org/dc/elements/1.1/"/>
+    <ds:schemaRef ds:uri="http://schemas.microsoft.com/office/2006/documentManagement/types"/>
+    <ds:schemaRef ds:uri="http://purl.org/dc/terms/"/>
+    <ds:schemaRef ds:uri="http://schemas.microsoft.com/office/infopath/2007/PartnerControls"/>
+    <ds:schemaRef ds:uri="http://schemas.microsoft.com/office/2006/metadata/properties"/>
+    <ds:schemaRef ds:uri="http://www.w3.org/XML/1998/namespace"/>
   </ds:schemaRefs>
 </ds:datastoreItem>
 </file>
--- a/Content/Images/relaties-tussen-producten.pptx
+++ b/Content/Images/relaties-tussen-producten.pptx
@@ -232,7 +232,7 @@
           <a:p>
             <a:fld id="{350B2457-A054-7D40-BA7B-21B0D0BCC8B3}" type="datetimeFigureOut">
               <a:rPr lang="nl-NL" smtClean="0"/>
-              <a:t>03-02-2022</a:t>
+              <a:t>28-02-2025</a:t>
             </a:fld>
             <a:endParaRPr lang="nl-NL"/>
           </a:p>
@@ -373,7 +373,7 @@
             <a:fld id="{B7EEF894-AF89-4A15-B12A-DB6EE2F8B7F6}" type="datetimeFigureOut">
               <a:rPr lang="nl-NL" smtClean="0"/>
               <a:pPr/>
-              <a:t>03-02-2022</a:t>
+              <a:t>28-02-2025</a:t>
             </a:fld>
             <a:endParaRPr lang="nl-NL"/>
           </a:p>
@@ -3793,7 +3793,7 @@
                   <a:schemeClr val="tx1"/>
                 </a:solidFill>
               </a:rPr>
-              <a:t>BL</a:t>
+              <a:t>PB</a:t>
             </a:r>
           </a:p>
         </p:txBody>
@@ -4560,7 +4560,7 @@
           <a:p>
             <a:r>
               <a:rPr lang="nl-NL" sz="1100" dirty="0"/>
-              <a:t>BL	product </a:t>
+              <a:t>PB	product </a:t>
             </a:r>
             <a:r>
               <a:rPr lang="nl-NL" sz="1100" dirty="0" err="1"/>
@@ -5630,11 +5630,6 @@
 
 <file path=customXml/item1.xml><?xml version="1.0" encoding="utf-8"?>
 <?mso-contentType ?>
-<SharedContentType xmlns="Microsoft.SharePoint.Taxonomy.ContentTypeSync" SourceId="a104d5ce-f540-4606-a78d-e5febbb9402b" ContentTypeId="0x010100CA9CDBB764D01E419D82B5B2D492A06E" PreviousValue="false"/>
-</file>
-
-<file path=customXml/item2.xml><?xml version="1.0" encoding="utf-8"?>
-<?mso-contentType ?>
 <FormTemplates xmlns="http://schemas.microsoft.com/sharepoint/v3/contenttype/forms">
   <Display>DocumentLibraryForm</Display>
   <Edit>DocumentLibraryForm</Edit>
@@ -5642,7 +5637,18 @@
 </FormTemplates>
 </file>
 
+<file path=customXml/item2.xml><?xml version="1.0" encoding="utf-8"?>
+<?mso-contentType ?>
+<SharedContentType xmlns="Microsoft.SharePoint.Taxonomy.ContentTypeSync" SourceId="a104d5ce-f540-4606-a78d-e5febbb9402b" ContentTypeId="0x010100CA9CDBB764D01E419D82B5B2D492A06E" PreviousValue="false"/>
+</file>
+
 <file path=customXml/item3.xml><?xml version="1.0" encoding="utf-8"?>
+<p:properties xmlns:p="http://schemas.microsoft.com/office/2006/metadata/properties" xmlns:xsi="http://www.w3.org/2001/XMLSchema-instance" xmlns:pc="http://schemas.microsoft.com/office/infopath/2007/PartnerControls">
+  <documentManagement/>
+</p:properties>
+</file>
+
+<file path=customXml/item4.xml><?xml version="1.0" encoding="utf-8"?>
 <ct:contentTypeSchema xmlns:ct="http://schemas.microsoft.com/office/2006/metadata/contentType" xmlns:ma="http://schemas.microsoft.com/office/2006/metadata/properties/metaAttributes" ct:_="" ma:_="" ma:contentTypeName="ICTU Blanco Document" ma:contentTypeID="0x010100CA9CDBB764D01E419D82B5B2D492A06E00E64732FD58622849ADF98223EDB743FB" ma:contentTypeVersion="1" ma:contentTypeDescription="Een nieuw document maken." ma:contentTypeScope="" ma:versionID="28f69a9cb16ef1d87fe474606945a2f9">
   <xsd:schema xmlns:xsd="http://www.w3.org/2001/XMLSchema" xmlns:xs="http://www.w3.org/2001/XMLSchema" xmlns:p="http://schemas.microsoft.com/office/2006/metadata/properties" targetNamespace="http://schemas.microsoft.com/office/2006/metadata/properties" ma:root="true" ma:fieldsID="fe1b79ded2d1c66a268d2bc825768432">
     <xsd:element name="properties">
@@ -5756,13 +5762,15 @@
 </ct:contentTypeSchema>
 </file>
 
-<file path=customXml/item4.xml><?xml version="1.0" encoding="utf-8"?>
-<p:properties xmlns:p="http://schemas.microsoft.com/office/2006/metadata/properties" xmlns:xsi="http://www.w3.org/2001/XMLSchema-instance" xmlns:pc="http://schemas.microsoft.com/office/infopath/2007/PartnerControls">
-  <documentManagement/>
-</p:properties>
+<file path=customXml/itemProps1.xml><?xml version="1.0" encoding="utf-8"?>
+<ds:datastoreItem xmlns:ds="http://schemas.openxmlformats.org/officeDocument/2006/customXml" ds:itemID="{C6E14BCB-FF18-43C2-9B39-2D1FBFF2F7E2}">
+  <ds:schemaRefs>
+    <ds:schemaRef ds:uri="http://schemas.microsoft.com/sharepoint/v3/contenttype/forms"/>
+  </ds:schemaRefs>
+</ds:datastoreItem>
 </file>
 
-<file path=customXml/itemProps1.xml><?xml version="1.0" encoding="utf-8"?>
+<file path=customXml/itemProps2.xml><?xml version="1.0" encoding="utf-8"?>
 <ds:datastoreItem xmlns:ds="http://schemas.openxmlformats.org/officeDocument/2006/customXml" ds:itemID="{6DB5B419-F5CF-48E9-BE51-6DA9FADDD3D2}">
   <ds:schemaRefs>
     <ds:schemaRef ds:uri="Microsoft.SharePoint.Taxonomy.ContentTypeSync"/>
@@ -5770,15 +5778,22 @@
 </ds:datastoreItem>
 </file>
 
-<file path=customXml/itemProps2.xml><?xml version="1.0" encoding="utf-8"?>
-<ds:datastoreItem xmlns:ds="http://schemas.openxmlformats.org/officeDocument/2006/customXml" ds:itemID="{C6E14BCB-FF18-43C2-9B39-2D1FBFF2F7E2}">
+<file path=customXml/itemProps3.xml><?xml version="1.0" encoding="utf-8"?>
+<ds:datastoreItem xmlns:ds="http://schemas.openxmlformats.org/officeDocument/2006/customXml" ds:itemID="{0F77E14F-9640-4513-8E7C-CB18D1FB76F5}">
   <ds:schemaRefs>
-    <ds:schemaRef ds:uri="http://schemas.microsoft.com/sharepoint/v3/contenttype/forms"/>
+    <ds:schemaRef ds:uri="http://schemas.openxmlformats.org/package/2006/metadata/core-properties"/>
+    <ds:schemaRef ds:uri="http://purl.org/dc/dcmitype/"/>
+    <ds:schemaRef ds:uri="http://purl.org/dc/elements/1.1/"/>
+    <ds:schemaRef ds:uri="http://schemas.microsoft.com/office/2006/documentManagement/types"/>
+    <ds:schemaRef ds:uri="http://purl.org/dc/terms/"/>
+    <ds:schemaRef ds:uri="http://schemas.microsoft.com/office/infopath/2007/PartnerControls"/>
+    <ds:schemaRef ds:uri="http://schemas.microsoft.com/office/2006/metadata/properties"/>
+    <ds:schemaRef ds:uri="http://www.w3.org/XML/1998/namespace"/>
   </ds:schemaRefs>
 </ds:datastoreItem>
 </file>
 
-<file path=customXml/itemProps3.xml><?xml version="1.0" encoding="utf-8"?>
+<file path=customXml/itemProps4.xml><?xml version="1.0" encoding="utf-8"?>
 <ds:datastoreItem xmlns:ds="http://schemas.openxmlformats.org/officeDocument/2006/customXml" ds:itemID="{4DB5BCB5-1715-4DB7-B20A-25FB39179062}">
   <ds:schemaRefs>
     <ds:schemaRef ds:uri="http://schemas.microsoft.com/office/2006/metadata/contentType"/>
@@ -5792,19 +5807,4 @@
     <ds:schemaRef ds:uri="http://schemas.microsoft.com/office/infopath/2007/PartnerControls"/>
   </ds:schemaRefs>
 </ds:datastoreItem>
-</file>
-
-<file path=customXml/itemProps4.xml><?xml version="1.0" encoding="utf-8"?>
-<ds:datastoreItem xmlns:ds="http://schemas.openxmlformats.org/officeDocument/2006/customXml" ds:itemID="{0F77E14F-9640-4513-8E7C-CB18D1FB76F5}">
-  <ds:schemaRefs>
-    <ds:schemaRef ds:uri="http://schemas.openxmlformats.org/package/2006/metadata/core-properties"/>
-    <ds:schemaRef ds:uri="http://purl.org/dc/dcmitype/"/>
-    <ds:schemaRef ds:uri="http://purl.org/dc/elements/1.1/"/>
-    <ds:schemaRef ds:uri="http://schemas.microsoft.com/office/2006/documentManagement/types"/>
-    <ds:schemaRef ds:uri="http://purl.org/dc/terms/"/>
-    <ds:schemaRef ds:uri="http://schemas.microsoft.com/office/infopath/2007/PartnerControls"/>
-    <ds:schemaRef ds:uri="http://schemas.microsoft.com/office/2006/metadata/properties"/>
-    <ds:schemaRef ds:uri="http://www.w3.org/XML/1998/namespace"/>
-  </ds:schemaRefs>
-</ds:datastoreItem>
 </file>
--- a/Content/Images/relaties-tussen-producten.pptx
+++ b/Content/Images/relaties-tussen-producten.pptx
@@ -232,7 +232,7 @@
           <a:p>
             <a:fld id="{350B2457-A054-7D40-BA7B-21B0D0BCC8B3}" type="datetimeFigureOut">
               <a:rPr lang="nl-NL" smtClean="0"/>
-              <a:t>28-02-2025</a:t>
+              <a:t>24-03-2025</a:t>
             </a:fld>
             <a:endParaRPr lang="nl-NL"/>
           </a:p>
@@ -373,7 +373,7 @@
             <a:fld id="{B7EEF894-AF89-4A15-B12A-DB6EE2F8B7F6}" type="datetimeFigureOut">
               <a:rPr lang="nl-NL" smtClean="0"/>
               <a:pPr/>
-              <a:t>28-02-2025</a:t>
+              <a:t>24-03-2025</a:t>
             </a:fld>
             <a:endParaRPr lang="nl-NL"/>
           </a:p>
@@ -3450,7 +3450,7 @@
                   <a:schemeClr val="tx1"/>
                 </a:solidFill>
               </a:rPr>
-              <a:t>PIA</a:t>
+              <a:t>DPIA</a:t>
             </a:r>
           </a:p>
         </p:txBody>
@@ -4518,7 +4518,15 @@
           <a:p>
             <a:r>
               <a:rPr lang="nl-NL" sz="1100" dirty="0"/>
-              <a:t>PIA	privacy impact analyse</a:t>
+              <a:t>DPIA	data </a:t>
+            </a:r>
+            <a:r>
+              <a:rPr lang="nl-NL" sz="1100" dirty="0" err="1"/>
+              <a:t>protection</a:t>
+            </a:r>
+            <a:r>
+              <a:rPr lang="nl-NL" sz="1100" dirty="0"/>
+              <a:t> impact analyse</a:t>
             </a:r>
           </a:p>
           <a:p>
@@ -5630,6 +5638,11 @@
 
 <file path=customXml/item1.xml><?xml version="1.0" encoding="utf-8"?>
 <?mso-contentType ?>
+<SharedContentType xmlns="Microsoft.SharePoint.Taxonomy.ContentTypeSync" SourceId="a104d5ce-f540-4606-a78d-e5febbb9402b" ContentTypeId="0x010100CA9CDBB764D01E419D82B5B2D492A06E" PreviousValue="false"/>
+</file>
+
+<file path=customXml/item2.xml><?xml version="1.0" encoding="utf-8"?>
+<?mso-contentType ?>
 <FormTemplates xmlns="http://schemas.microsoft.com/sharepoint/v3/contenttype/forms">
   <Display>DocumentLibraryForm</Display>
   <Edit>DocumentLibraryForm</Edit>
@@ -5637,18 +5650,7 @@
 </FormTemplates>
 </file>
 
-<file path=customXml/item2.xml><?xml version="1.0" encoding="utf-8"?>
-<?mso-contentType ?>
-<SharedContentType xmlns="Microsoft.SharePoint.Taxonomy.ContentTypeSync" SourceId="a104d5ce-f540-4606-a78d-e5febbb9402b" ContentTypeId="0x010100CA9CDBB764D01E419D82B5B2D492A06E" PreviousValue="false"/>
-</file>
-
 <file path=customXml/item3.xml><?xml version="1.0" encoding="utf-8"?>
-<p:properties xmlns:p="http://schemas.microsoft.com/office/2006/metadata/properties" xmlns:xsi="http://www.w3.org/2001/XMLSchema-instance" xmlns:pc="http://schemas.microsoft.com/office/infopath/2007/PartnerControls">
-  <documentManagement/>
-</p:properties>
-</file>
-
-<file path=customXml/item4.xml><?xml version="1.0" encoding="utf-8"?>
 <ct:contentTypeSchema xmlns:ct="http://schemas.microsoft.com/office/2006/metadata/contentType" xmlns:ma="http://schemas.microsoft.com/office/2006/metadata/properties/metaAttributes" ct:_="" ma:_="" ma:contentTypeName="ICTU Blanco Document" ma:contentTypeID="0x010100CA9CDBB764D01E419D82B5B2D492A06E00E64732FD58622849ADF98223EDB743FB" ma:contentTypeVersion="1" ma:contentTypeDescription="Een nieuw document maken." ma:contentTypeScope="" ma:versionID="28f69a9cb16ef1d87fe474606945a2f9">
   <xsd:schema xmlns:xsd="http://www.w3.org/2001/XMLSchema" xmlns:xs="http://www.w3.org/2001/XMLSchema" xmlns:p="http://schemas.microsoft.com/office/2006/metadata/properties" targetNamespace="http://schemas.microsoft.com/office/2006/metadata/properties" ma:root="true" ma:fieldsID="fe1b79ded2d1c66a268d2bc825768432">
     <xsd:element name="properties">
@@ -5762,7 +5764,21 @@
 </ct:contentTypeSchema>
 </file>
 
+<file path=customXml/item4.xml><?xml version="1.0" encoding="utf-8"?>
+<p:properties xmlns:p="http://schemas.microsoft.com/office/2006/metadata/properties" xmlns:xsi="http://www.w3.org/2001/XMLSchema-instance" xmlns:pc="http://schemas.microsoft.com/office/infopath/2007/PartnerControls">
+  <documentManagement/>
+</p:properties>
+</file>
+
 <file path=customXml/itemProps1.xml><?xml version="1.0" encoding="utf-8"?>
+<ds:datastoreItem xmlns:ds="http://schemas.openxmlformats.org/officeDocument/2006/customXml" ds:itemID="{6DB5B419-F5CF-48E9-BE51-6DA9FADDD3D2}">
+  <ds:schemaRefs>
+    <ds:schemaRef ds:uri="Microsoft.SharePoint.Taxonomy.ContentTypeSync"/>
+  </ds:schemaRefs>
+</ds:datastoreItem>
+</file>
+
+<file path=customXml/itemProps2.xml><?xml version="1.0" encoding="utf-8"?>
 <ds:datastoreItem xmlns:ds="http://schemas.openxmlformats.org/officeDocument/2006/customXml" ds:itemID="{C6E14BCB-FF18-43C2-9B39-2D1FBFF2F7E2}">
   <ds:schemaRefs>
     <ds:schemaRef ds:uri="http://schemas.microsoft.com/sharepoint/v3/contenttype/forms"/>
@@ -5770,30 +5786,7 @@
 </ds:datastoreItem>
 </file>
 
-<file path=customXml/itemProps2.xml><?xml version="1.0" encoding="utf-8"?>
-<ds:datastoreItem xmlns:ds="http://schemas.openxmlformats.org/officeDocument/2006/customXml" ds:itemID="{6DB5B419-F5CF-48E9-BE51-6DA9FADDD3D2}">
-  <ds:schemaRefs>
-    <ds:schemaRef ds:uri="Microsoft.SharePoint.Taxonomy.ContentTypeSync"/>
-  </ds:schemaRefs>
-</ds:datastoreItem>
-</file>
-
 <file path=customXml/itemProps3.xml><?xml version="1.0" encoding="utf-8"?>
-<ds:datastoreItem xmlns:ds="http://schemas.openxmlformats.org/officeDocument/2006/customXml" ds:itemID="{0F77E14F-9640-4513-8E7C-CB18D1FB76F5}">
-  <ds:schemaRefs>
-    <ds:schemaRef ds:uri="http://schemas.openxmlformats.org/package/2006/metadata/core-properties"/>
-    <ds:schemaRef ds:uri="http://purl.org/dc/dcmitype/"/>
-    <ds:schemaRef ds:uri="http://purl.org/dc/elements/1.1/"/>
-    <ds:schemaRef ds:uri="http://schemas.microsoft.com/office/2006/documentManagement/types"/>
-    <ds:schemaRef ds:uri="http://purl.org/dc/terms/"/>
-    <ds:schemaRef ds:uri="http://schemas.microsoft.com/office/infopath/2007/PartnerControls"/>
-    <ds:schemaRef ds:uri="http://schemas.microsoft.com/office/2006/metadata/properties"/>
-    <ds:schemaRef ds:uri="http://www.w3.org/XML/1998/namespace"/>
-  </ds:schemaRefs>
-</ds:datastoreItem>
-</file>
-
-<file path=customXml/itemProps4.xml><?xml version="1.0" encoding="utf-8"?>
 <ds:datastoreItem xmlns:ds="http://schemas.openxmlformats.org/officeDocument/2006/customXml" ds:itemID="{4DB5BCB5-1715-4DB7-B20A-25FB39179062}">
   <ds:schemaRefs>
     <ds:schemaRef ds:uri="http://schemas.microsoft.com/office/2006/metadata/contentType"/>
@@ -5807,4 +5800,19 @@
     <ds:schemaRef ds:uri="http://schemas.microsoft.com/office/infopath/2007/PartnerControls"/>
   </ds:schemaRefs>
 </ds:datastoreItem>
+</file>
+
+<file path=customXml/itemProps4.xml><?xml version="1.0" encoding="utf-8"?>
+<ds:datastoreItem xmlns:ds="http://schemas.openxmlformats.org/officeDocument/2006/customXml" ds:itemID="{0F77E14F-9640-4513-8E7C-CB18D1FB76F5}">
+  <ds:schemaRefs>
+    <ds:schemaRef ds:uri="http://schemas.openxmlformats.org/package/2006/metadata/core-properties"/>
+    <ds:schemaRef ds:uri="http://purl.org/dc/dcmitype/"/>
+    <ds:schemaRef ds:uri="http://purl.org/dc/elements/1.1/"/>
+    <ds:schemaRef ds:uri="http://schemas.microsoft.com/office/2006/documentManagement/types"/>
+    <ds:schemaRef ds:uri="http://purl.org/dc/terms/"/>
+    <ds:schemaRef ds:uri="http://schemas.microsoft.com/office/infopath/2007/PartnerControls"/>
+    <ds:schemaRef ds:uri="http://schemas.microsoft.com/office/2006/metadata/properties"/>
+    <ds:schemaRef ds:uri="http://www.w3.org/XML/1998/namespace"/>
+  </ds:schemaRefs>
+</ds:datastoreItem>
 </file>
--- a/Content/Images/relaties-tussen-producten.pptx
+++ b/Content/Images/relaties-tussen-producten.pptx
@@ -232,7 +232,7 @@
           <a:p>
             <a:fld id="{350B2457-A054-7D40-BA7B-21B0D0BCC8B3}" type="datetimeFigureOut">
               <a:rPr lang="nl-NL" smtClean="0"/>
-              <a:t>24-03-2025</a:t>
+              <a:t>08-04-2025</a:t>
             </a:fld>
             <a:endParaRPr lang="nl-NL"/>
           </a:p>
@@ -373,7 +373,7 @@
             <a:fld id="{B7EEF894-AF89-4A15-B12A-DB6EE2F8B7F6}" type="datetimeFigureOut">
               <a:rPr lang="nl-NL" smtClean="0"/>
               <a:pPr/>
-              <a:t>24-03-2025</a:t>
+              <a:t>08-04-2025</a:t>
             </a:fld>
             <a:endParaRPr lang="nl-NL"/>
           </a:p>
@@ -3298,7 +3298,7 @@
         </p:nvSpPr>
         <p:spPr>
           <a:xfrm>
-            <a:off x="440123" y="1008968"/>
+            <a:off x="2612589" y="1988977"/>
             <a:ext cx="914400" cy="370114"/>
           </a:xfrm>
           <a:prstGeom prst="foldedCorner">
@@ -3355,7 +3355,7 @@
         </p:nvSpPr>
         <p:spPr>
           <a:xfrm>
-            <a:off x="1793234" y="1023030"/>
+            <a:off x="1226262" y="988672"/>
             <a:ext cx="914400" cy="370114"/>
           </a:xfrm>
           <a:prstGeom prst="foldedCorner">
@@ -3412,7 +3412,7 @@
         </p:nvSpPr>
         <p:spPr>
           <a:xfrm>
-            <a:off x="3164834" y="1042979"/>
+            <a:off x="2597862" y="988672"/>
             <a:ext cx="914400" cy="370114"/>
           </a:xfrm>
           <a:prstGeom prst="foldedCorner">
@@ -3469,7 +3469,7 @@
         </p:nvSpPr>
         <p:spPr>
           <a:xfrm>
-            <a:off x="440123" y="2079171"/>
+            <a:off x="1255214" y="2954923"/>
             <a:ext cx="914400" cy="370115"/>
           </a:xfrm>
           <a:prstGeom prst="foldedCorner">
@@ -3529,9 +3529,9 @@
           <p:nvPr/>
         </p:nvCxnSpPr>
         <p:spPr>
-          <a:xfrm>
-            <a:off x="897323" y="1379082"/>
-            <a:ext cx="0" cy="700089"/>
+          <a:xfrm flipH="1">
+            <a:off x="1712414" y="2359091"/>
+            <a:ext cx="1357375" cy="595832"/>
           </a:xfrm>
           <a:prstGeom prst="straightConnector1">
             <a:avLst/>
@@ -3569,7 +3569,7 @@
         </p:nvSpPr>
         <p:spPr>
           <a:xfrm>
-            <a:off x="1793234" y="2079171"/>
+            <a:off x="2608325" y="2954923"/>
             <a:ext cx="914400" cy="370115"/>
           </a:xfrm>
           <a:prstGeom prst="foldedCorner">
@@ -3629,9 +3629,9 @@
           <p:nvPr/>
         </p:nvCxnSpPr>
         <p:spPr>
-          <a:xfrm>
-            <a:off x="897323" y="1379082"/>
-            <a:ext cx="1353111" cy="700089"/>
+          <a:xfrm flipH="1">
+            <a:off x="3065525" y="2359091"/>
+            <a:ext cx="4264" cy="595832"/>
           </a:xfrm>
           <a:prstGeom prst="straightConnector1">
             <a:avLst/>
@@ -3667,14 +3667,14 @@
           <p:cNvCxnSpPr>
             <a:cxnSpLocks/>
             <a:stCxn id="4" idx="2"/>
-            <a:endCxn id="17" idx="0"/>
+            <a:endCxn id="3" idx="0"/>
           </p:cNvCxnSpPr>
           <p:nvPr/>
         </p:nvCxnSpPr>
         <p:spPr>
           <a:xfrm>
-            <a:off x="2250434" y="1393144"/>
-            <a:ext cx="0" cy="686027"/>
+            <a:off x="1683462" y="1358786"/>
+            <a:ext cx="1386327" cy="630191"/>
           </a:xfrm>
           <a:prstGeom prst="straightConnector1">
             <a:avLst/>
@@ -3710,14 +3710,14 @@
           <p:cNvCxnSpPr>
             <a:cxnSpLocks/>
             <a:stCxn id="5" idx="2"/>
-            <a:endCxn id="17" idx="0"/>
+            <a:endCxn id="3" idx="0"/>
           </p:cNvCxnSpPr>
           <p:nvPr/>
         </p:nvCxnSpPr>
         <p:spPr>
-          <a:xfrm flipH="1">
-            <a:off x="2250434" y="1413093"/>
-            <a:ext cx="1371600" cy="666078"/>
+          <a:xfrm>
+            <a:off x="3055062" y="1358786"/>
+            <a:ext cx="14727" cy="630191"/>
           </a:xfrm>
           <a:prstGeom prst="straightConnector1">
             <a:avLst/>
@@ -3755,7 +3755,7 @@
         </p:nvSpPr>
         <p:spPr>
           <a:xfrm>
-            <a:off x="440123" y="3135086"/>
+            <a:off x="1255214" y="4010838"/>
             <a:ext cx="914400" cy="370115"/>
           </a:xfrm>
           <a:prstGeom prst="foldedCorner">
@@ -3816,7 +3816,7 @@
         </p:nvCxnSpPr>
         <p:spPr>
           <a:xfrm>
-            <a:off x="897323" y="2449286"/>
+            <a:off x="1712414" y="3325038"/>
             <a:ext cx="0" cy="685800"/>
           </a:xfrm>
           <a:prstGeom prst="straightConnector1">
@@ -3859,7 +3859,7 @@
         </p:nvCxnSpPr>
         <p:spPr>
           <a:xfrm flipH="1">
-            <a:off x="897323" y="2449286"/>
+            <a:off x="1712414" y="3325038"/>
             <a:ext cx="1353111" cy="685800"/>
           </a:xfrm>
           <a:prstGeom prst="straightConnector1">
@@ -3898,7 +3898,7 @@
         </p:nvSpPr>
         <p:spPr>
           <a:xfrm>
-            <a:off x="1789946" y="3127603"/>
+            <a:off x="2605037" y="4003355"/>
             <a:ext cx="914400" cy="370115"/>
           </a:xfrm>
           <a:prstGeom prst="foldedCorner">
@@ -3959,7 +3959,7 @@
         </p:nvCxnSpPr>
         <p:spPr>
           <a:xfrm flipH="1">
-            <a:off x="2247146" y="2449286"/>
+            <a:off x="3062237" y="3325038"/>
             <a:ext cx="3288" cy="678317"/>
           </a:xfrm>
           <a:prstGeom prst="straightConnector1">
@@ -4002,7 +4002,7 @@
         </p:nvCxnSpPr>
         <p:spPr>
           <a:xfrm>
-            <a:off x="897323" y="2449286"/>
+            <a:off x="1712414" y="3325038"/>
             <a:ext cx="1349823" cy="678317"/>
           </a:xfrm>
           <a:prstGeom prst="straightConnector1">
@@ -4041,7 +4041,7 @@
         </p:nvSpPr>
         <p:spPr>
           <a:xfrm>
-            <a:off x="1111090" y="4215957"/>
+            <a:off x="1926181" y="5091709"/>
             <a:ext cx="914400" cy="370115"/>
           </a:xfrm>
           <a:prstGeom prst="foldedCorner">
@@ -4105,7 +4105,7 @@
         </p:nvCxnSpPr>
         <p:spPr>
           <a:xfrm flipH="1">
-            <a:off x="1568290" y="3497718"/>
+            <a:off x="2383381" y="4373470"/>
             <a:ext cx="678856" cy="718239"/>
           </a:xfrm>
           <a:prstGeom prst="straightConnector1">
@@ -4148,7 +4148,7 @@
         </p:nvCxnSpPr>
         <p:spPr>
           <a:xfrm>
-            <a:off x="897323" y="3505201"/>
+            <a:off x="1712414" y="4380953"/>
             <a:ext cx="670967" cy="710756"/>
           </a:xfrm>
           <a:prstGeom prst="straightConnector1">
@@ -4187,7 +4187,7 @@
         </p:nvSpPr>
         <p:spPr>
           <a:xfrm>
-            <a:off x="3173363" y="2062394"/>
+            <a:off x="3988454" y="2938146"/>
             <a:ext cx="914400" cy="370115"/>
           </a:xfrm>
           <a:prstGeom prst="foldedCorner">
@@ -4248,51 +4248,8 @@
         </p:nvCxnSpPr>
         <p:spPr>
           <a:xfrm flipH="1">
-            <a:off x="2247146" y="2432509"/>
+            <a:off x="3062237" y="3308261"/>
             <a:ext cx="1383417" cy="695094"/>
-          </a:xfrm>
-          <a:prstGeom prst="straightConnector1">
-            <a:avLst/>
-          </a:prstGeom>
-          <a:ln>
-            <a:tailEnd type="triangle" w="lg" len="med"/>
-          </a:ln>
-        </p:spPr>
-        <p:style>
-          <a:lnRef idx="2">
-            <a:schemeClr val="accent1"/>
-          </a:lnRef>
-          <a:fillRef idx="0">
-            <a:schemeClr val="accent1"/>
-          </a:fillRef>
-          <a:effectRef idx="1">
-            <a:schemeClr val="accent1"/>
-          </a:effectRef>
-          <a:fontRef idx="minor">
-            <a:schemeClr val="tx1"/>
-          </a:fontRef>
-        </p:style>
-      </p:cxnSp>
-      <p:cxnSp>
-        <p:nvCxnSpPr>
-          <p:cNvPr id="53" name="Rechte verbindingslijn met pijl 52">
-            <a:extLst>
-              <a:ext uri="{FF2B5EF4-FFF2-40B4-BE49-F238E27FC236}">
-                <a16:creationId xmlns:a16="http://schemas.microsoft.com/office/drawing/2014/main" id="{F17F64E2-E7B3-4C47-894D-874FB51ABBC9}"/>
-              </a:ext>
-            </a:extLst>
-          </p:cNvPr>
-          <p:cNvCxnSpPr>
-            <a:cxnSpLocks/>
-            <a:stCxn id="5" idx="2"/>
-            <a:endCxn id="49" idx="0"/>
-          </p:cNvCxnSpPr>
-          <p:nvPr/>
-        </p:nvCxnSpPr>
-        <p:spPr>
-          <a:xfrm>
-            <a:off x="3622034" y="1413093"/>
-            <a:ext cx="8529" cy="649301"/>
           </a:xfrm>
           <a:prstGeom prst="straightConnector1">
             <a:avLst/>
@@ -4327,15 +4284,15 @@
           </p:cNvPr>
           <p:cNvCxnSpPr>
             <a:cxnSpLocks/>
-            <a:stCxn id="4" idx="2"/>
+            <a:stCxn id="3" idx="2"/>
             <a:endCxn id="49" idx="0"/>
           </p:cNvCxnSpPr>
           <p:nvPr/>
         </p:nvCxnSpPr>
         <p:spPr>
           <a:xfrm>
-            <a:off x="2250434" y="1393144"/>
-            <a:ext cx="1380129" cy="669250"/>
+            <a:off x="3069789" y="2359091"/>
+            <a:ext cx="1375865" cy="579055"/>
           </a:xfrm>
           <a:prstGeom prst="straightConnector1">
             <a:avLst/>
@@ -4373,7 +4330,7 @@
         </p:nvSpPr>
         <p:spPr>
           <a:xfrm>
-            <a:off x="3167575" y="3127603"/>
+            <a:off x="3982666" y="4003355"/>
             <a:ext cx="914400" cy="370115"/>
           </a:xfrm>
           <a:prstGeom prst="foldedCorner">
@@ -4434,7 +4391,7 @@
         </p:nvCxnSpPr>
         <p:spPr>
           <a:xfrm>
-            <a:off x="2250434" y="2449286"/>
+            <a:off x="3065525" y="3325038"/>
             <a:ext cx="1374341" cy="678317"/>
           </a:xfrm>
           <a:prstGeom prst="straightConnector1">
@@ -4473,8 +4430,8 @@
         </p:nvSpPr>
         <p:spPr>
           <a:xfrm>
-            <a:off x="4539174" y="1023030"/>
-            <a:ext cx="3173600" cy="3139321"/>
+            <a:off x="5763966" y="1023030"/>
+            <a:ext cx="3116706" cy="3816429"/>
           </a:xfrm>
           <a:prstGeom prst="rect">
             <a:avLst/>
@@ -4506,12 +4463,6 @@
           <a:p>
             <a:r>
               <a:rPr lang="nl-NL" sz="1100" dirty="0"/>
-              <a:t>PSA 	projectstartarchitectuur</a:t>
-            </a:r>
-          </a:p>
-          <a:p>
-            <a:r>
-              <a:rPr lang="nl-NL" sz="1100" dirty="0"/>
               <a:t>BIA	business impact analyse</a:t>
             </a:r>
           </a:p>
@@ -4528,6 +4479,31 @@
               <a:rPr lang="nl-NL" sz="1100" dirty="0"/>
               <a:t> impact analyse</a:t>
             </a:r>
+          </a:p>
+          <a:p>
+            <a:r>
+              <a:rPr lang="nl-NL" sz="1100" dirty="0"/>
+              <a:t>IAMA	impact assessment mensenrechten </a:t>
+            </a:r>
+            <a:br>
+              <a:rPr lang="nl-NL" sz="1100" dirty="0"/>
+            </a:br>
+            <a:r>
+              <a:rPr lang="nl-NL" sz="1100" dirty="0"/>
+              <a:t>	en algoritmes</a:t>
+            </a:r>
+          </a:p>
+          <a:p>
+            <a:endParaRPr lang="nl-NL" sz="1100" dirty="0"/>
+          </a:p>
+          <a:p>
+            <a:r>
+              <a:rPr lang="nl-NL" sz="1100" dirty="0"/>
+              <a:t>PSA 	projectstartarchitectuur</a:t>
+            </a:r>
+          </a:p>
+          <a:p>
+            <a:endParaRPr lang="nl-NL" sz="1100" dirty="0"/>
           </a:p>
           <a:p>
             <a:endParaRPr lang="nl-NL" sz="1100" dirty="0"/>
@@ -4613,7 +4589,7 @@
         </p:nvSpPr>
         <p:spPr>
           <a:xfrm>
-            <a:off x="4625969" y="1084942"/>
+            <a:off x="5850761" y="1084942"/>
             <a:ext cx="304800" cy="177574"/>
           </a:xfrm>
           <a:prstGeom prst="foldedCorner">
@@ -4663,7 +4639,7 @@
         </p:nvSpPr>
         <p:spPr>
           <a:xfrm>
-            <a:off x="4636535" y="2236767"/>
+            <a:off x="5871023" y="2931244"/>
             <a:ext cx="304800" cy="177574"/>
           </a:xfrm>
           <a:prstGeom prst="foldedCorner">
@@ -4717,8 +4693,108 @@
         </p:nvCxnSpPr>
         <p:spPr>
           <a:xfrm flipH="1">
-            <a:off x="3624775" y="2432509"/>
+            <a:off x="4439866" y="3308261"/>
             <a:ext cx="5788" cy="695094"/>
+          </a:xfrm>
+          <a:prstGeom prst="straightConnector1">
+            <a:avLst/>
+          </a:prstGeom>
+          <a:ln>
+            <a:tailEnd type="triangle" w="lg" len="med"/>
+          </a:ln>
+        </p:spPr>
+        <p:style>
+          <a:lnRef idx="2">
+            <a:schemeClr val="accent1"/>
+          </a:lnRef>
+          <a:fillRef idx="0">
+            <a:schemeClr val="accent1"/>
+          </a:fillRef>
+          <a:effectRef idx="1">
+            <a:schemeClr val="accent1"/>
+          </a:effectRef>
+          <a:fontRef idx="minor">
+            <a:schemeClr val="tx1"/>
+          </a:fontRef>
+        </p:style>
+      </p:cxnSp>
+      <p:sp>
+        <p:nvSpPr>
+          <p:cNvPr id="7" name="Ezelsoor 6">
+            <a:extLst>
+              <a:ext uri="{FF2B5EF4-FFF2-40B4-BE49-F238E27FC236}">
+                <a16:creationId xmlns:a16="http://schemas.microsoft.com/office/drawing/2014/main" id="{A8EE9575-891E-74A2-66DB-5E22FF541058}"/>
+              </a:ext>
+            </a:extLst>
+          </p:cNvPr>
+          <p:cNvSpPr/>
+          <p:nvPr/>
+        </p:nvSpPr>
+        <p:spPr>
+          <a:xfrm>
+            <a:off x="3985048" y="988672"/>
+            <a:ext cx="914400" cy="370114"/>
+          </a:xfrm>
+          <a:prstGeom prst="foldedCorner">
+            <a:avLst/>
+          </a:prstGeom>
+          <a:solidFill>
+            <a:schemeClr val="accent2">
+              <a:lumMod val="40000"/>
+              <a:lumOff val="60000"/>
+            </a:schemeClr>
+          </a:solidFill>
+        </p:spPr>
+        <p:style>
+          <a:lnRef idx="1">
+            <a:schemeClr val="accent1"/>
+          </a:lnRef>
+          <a:fillRef idx="3">
+            <a:schemeClr val="accent1"/>
+          </a:fillRef>
+          <a:effectRef idx="2">
+            <a:schemeClr val="accent1"/>
+          </a:effectRef>
+          <a:fontRef idx="minor">
+            <a:schemeClr val="lt1"/>
+          </a:fontRef>
+        </p:style>
+        <p:txBody>
+          <a:bodyPr rtlCol="0" anchor="ctr"/>
+          <a:lstStyle/>
+          <a:p>
+            <a:pPr algn="ctr"/>
+            <a:r>
+              <a:rPr lang="nl-NL" dirty="0">
+                <a:solidFill>
+                  <a:schemeClr val="tx1"/>
+                </a:solidFill>
+              </a:rPr>
+              <a:t>IAMA</a:t>
+            </a:r>
+          </a:p>
+        </p:txBody>
+      </p:sp>
+      <p:cxnSp>
+        <p:nvCxnSpPr>
+          <p:cNvPr id="26" name="Rechte verbindingslijn met pijl 25">
+            <a:extLst>
+              <a:ext uri="{FF2B5EF4-FFF2-40B4-BE49-F238E27FC236}">
+                <a16:creationId xmlns:a16="http://schemas.microsoft.com/office/drawing/2014/main" id="{A1C1F8F5-ECA0-61D7-9E7E-94A1DCD0B12A}"/>
+              </a:ext>
+            </a:extLst>
+          </p:cNvPr>
+          <p:cNvCxnSpPr>
+            <a:cxnSpLocks/>
+            <a:stCxn id="7" idx="2"/>
+            <a:endCxn id="3" idx="0"/>
+          </p:cNvCxnSpPr>
+          <p:nvPr/>
+        </p:nvCxnSpPr>
+        <p:spPr>
+          <a:xfrm flipH="1">
+            <a:off x="3069789" y="1358786"/>
+            <a:ext cx="1372459" cy="630191"/>
           </a:xfrm>
           <a:prstGeom prst="straightConnector1">
             <a:avLst/>
